--- a/Vendor_Boards/Great_Cow_Basic_Demo_Board/16F17556_chiprange_demonstrations/tutorials/GCBASIC_Part1.pptx
+++ b/Vendor_Boards/Great_Cow_Basic_Demo_Board/16F17556_chiprange_demonstrations/tutorials/GCBASIC_Part1.pptx
@@ -5,10 +5,10 @@
     <p:sldMasterId id="2147483660" r:id="rId1"/>
   </p:sldMasterIdLst>
   <p:notesMasterIdLst>
-    <p:notesMasterId r:id="rId14"/>
+    <p:notesMasterId r:id="rId17"/>
   </p:notesMasterIdLst>
   <p:handoutMasterIdLst>
-    <p:handoutMasterId r:id="rId15"/>
+    <p:handoutMasterId r:id="rId18"/>
   </p:handoutMasterIdLst>
   <p:sldIdLst>
     <p:sldId id="294" r:id="rId2"/>
@@ -19,10 +19,13 @@
     <p:sldId id="282" r:id="rId7"/>
     <p:sldId id="291" r:id="rId8"/>
     <p:sldId id="285" r:id="rId9"/>
-    <p:sldId id="298" r:id="rId10"/>
-    <p:sldId id="288" r:id="rId11"/>
-    <p:sldId id="297" r:id="rId12"/>
-    <p:sldId id="292" r:id="rId13"/>
+    <p:sldId id="300" r:id="rId10"/>
+    <p:sldId id="301" r:id="rId11"/>
+    <p:sldId id="298" r:id="rId12"/>
+    <p:sldId id="288" r:id="rId13"/>
+    <p:sldId id="297" r:id="rId14"/>
+    <p:sldId id="292" r:id="rId15"/>
+    <p:sldId id="299" r:id="rId16"/>
   </p:sldIdLst>
   <p:sldSz cx="9144000" cy="5143500" type="screen16x9"/>
   <p:notesSz cx="6858000" cy="9144000"/>
@@ -207,7 +210,7 @@
             <a:fld id="{742E545A-AB39-44F0-B5A6-04A90C6C9399}" type="datetimeFigureOut">
               <a:rPr lang="en-GB" smtClean="0"/>
               <a:pPr/>
-              <a:t>16/11/2024</a:t>
+              <a:t>13/11/2025</a:t>
             </a:fld>
             <a:endParaRPr lang="en-GB"/>
           </a:p>
@@ -374,7 +377,7 @@
             <a:fld id="{FF100B3C-2E11-428B-8555-A77018253716}" type="datetimeFigureOut">
               <a:rPr lang="en-GB" smtClean="0"/>
               <a:pPr/>
-              <a:t>16/11/2024</a:t>
+              <a:t>13/11/2025</a:t>
             </a:fld>
             <a:endParaRPr lang="en-GB"/>
           </a:p>
@@ -1289,7 +1292,7 @@
             <a:fld id="{C473AACB-D821-4991-9D88-46EB8D29E619}" type="datetimeFigureOut">
               <a:rPr lang="en-GB" smtClean="0"/>
               <a:pPr/>
-              <a:t>16/11/2024</a:t>
+              <a:t>13/11/2025</a:t>
             </a:fld>
             <a:endParaRPr lang="en-GB" dirty="0"/>
           </a:p>
@@ -1583,7 +1586,7 @@
             <a:fld id="{C473AACB-D821-4991-9D88-46EB8D29E619}" type="datetimeFigureOut">
               <a:rPr lang="en-GB" smtClean="0"/>
               <a:pPr/>
-              <a:t>16/11/2024</a:t>
+              <a:t>13/11/2025</a:t>
             </a:fld>
             <a:endParaRPr lang="en-GB" dirty="0"/>
           </a:p>
@@ -1836,7 +1839,7 @@
             <a:fld id="{C473AACB-D821-4991-9D88-46EB8D29E619}" type="datetimeFigureOut">
               <a:rPr lang="en-GB" smtClean="0"/>
               <a:pPr/>
-              <a:t>16/11/2024</a:t>
+              <a:t>13/11/2025</a:t>
             </a:fld>
             <a:endParaRPr lang="en-GB" dirty="0"/>
           </a:p>
@@ -2181,7 +2184,7 @@
             <a:fld id="{C473AACB-D821-4991-9D88-46EB8D29E619}" type="datetimeFigureOut">
               <a:rPr lang="en-GB" smtClean="0"/>
               <a:pPr/>
-              <a:t>16/11/2024</a:t>
+              <a:t>13/11/2025</a:t>
             </a:fld>
             <a:endParaRPr lang="en-GB" dirty="0"/>
           </a:p>
@@ -2553,7 +2556,7 @@
             <a:fld id="{C473AACB-D821-4991-9D88-46EB8D29E619}" type="datetimeFigureOut">
               <a:rPr lang="en-GB" smtClean="0"/>
               <a:pPr/>
-              <a:t>16/11/2024</a:t>
+              <a:t>13/11/2025</a:t>
             </a:fld>
             <a:endParaRPr lang="en-GB" dirty="0"/>
           </a:p>
@@ -2899,7 +2902,7 @@
             <a:fld id="{C473AACB-D821-4991-9D88-46EB8D29E619}" type="datetimeFigureOut">
               <a:rPr lang="en-GB" smtClean="0"/>
               <a:pPr/>
-              <a:t>16/11/2024</a:t>
+              <a:t>13/11/2025</a:t>
             </a:fld>
             <a:endParaRPr lang="en-GB" dirty="0"/>
           </a:p>
@@ -3323,7 +3326,7 @@
             <a:fld id="{C473AACB-D821-4991-9D88-46EB8D29E619}" type="datetimeFigureOut">
               <a:rPr lang="en-GB" smtClean="0"/>
               <a:pPr/>
-              <a:t>16/11/2024</a:t>
+              <a:t>13/11/2025</a:t>
             </a:fld>
             <a:endParaRPr lang="en-GB" dirty="0"/>
           </a:p>
@@ -3558,7 +3561,7 @@
             <a:fld id="{C473AACB-D821-4991-9D88-46EB8D29E619}" type="datetimeFigureOut">
               <a:rPr lang="en-GB" smtClean="0"/>
               <a:pPr/>
-              <a:t>16/11/2024</a:t>
+              <a:t>13/11/2025</a:t>
             </a:fld>
             <a:endParaRPr lang="en-GB" dirty="0"/>
           </a:p>
@@ -3769,7 +3772,7 @@
             <a:fld id="{C473AACB-D821-4991-9D88-46EB8D29E619}" type="datetimeFigureOut">
               <a:rPr lang="en-GB" smtClean="0"/>
               <a:pPr/>
-              <a:t>16/11/2024</a:t>
+              <a:t>13/11/2025</a:t>
             </a:fld>
             <a:endParaRPr lang="en-GB" dirty="0"/>
           </a:p>
@@ -3987,7 +3990,7 @@
             <a:fld id="{C473AACB-D821-4991-9D88-46EB8D29E619}" type="datetimeFigureOut">
               <a:rPr lang="en-GB" smtClean="0"/>
               <a:pPr/>
-              <a:t>16/11/2024</a:t>
+              <a:t>13/11/2025</a:t>
             </a:fld>
             <a:endParaRPr lang="en-GB" dirty="0"/>
           </a:p>
@@ -4802,7 +4805,7 @@
             <a:fld id="{C473AACB-D821-4991-9D88-46EB8D29E619}" type="datetimeFigureOut">
               <a:rPr lang="en-GB" smtClean="0"/>
               <a:pPr/>
-              <a:t>16/11/2024</a:t>
+              <a:t>13/11/2025</a:t>
             </a:fld>
             <a:endParaRPr lang="en-GB" dirty="0"/>
           </a:p>
@@ -5616,7 +5619,7 @@
             <a:fld id="{C473AACB-D821-4991-9D88-46EB8D29E619}" type="datetimeFigureOut">
               <a:rPr lang="en-GB" smtClean="0"/>
               <a:pPr/>
-              <a:t>16/11/2024</a:t>
+              <a:t>13/11/2025</a:t>
             </a:fld>
             <a:endParaRPr lang="en-GB" dirty="0"/>
           </a:p>
@@ -5865,7 +5868,7 @@
             <a:fld id="{C473AACB-D821-4991-9D88-46EB8D29E619}" type="datetimeFigureOut">
               <a:rPr lang="en-GB" smtClean="0"/>
               <a:pPr/>
-              <a:t>16/11/2024</a:t>
+              <a:t>13/11/2025</a:t>
             </a:fld>
             <a:endParaRPr lang="en-GB" dirty="0"/>
           </a:p>
@@ -6129,7 +6132,7 @@
             <a:fld id="{C473AACB-D821-4991-9D88-46EB8D29E619}" type="datetimeFigureOut">
               <a:rPr lang="en-GB" smtClean="0"/>
               <a:pPr/>
-              <a:t>16/11/2024</a:t>
+              <a:t>13/11/2025</a:t>
             </a:fld>
             <a:endParaRPr lang="en-GB" dirty="0"/>
           </a:p>
@@ -6569,7 +6572,7 @@
             <a:fld id="{C473AACB-D821-4991-9D88-46EB8D29E619}" type="datetimeFigureOut">
               <a:rPr lang="en-GB" smtClean="0"/>
               <a:pPr/>
-              <a:t>16/11/2024</a:t>
+              <a:t>13/11/2025</a:t>
             </a:fld>
             <a:endParaRPr lang="en-GB" dirty="0"/>
           </a:p>
@@ -6724,7 +6727,7 @@
             <a:fld id="{C473AACB-D821-4991-9D88-46EB8D29E619}" type="datetimeFigureOut">
               <a:rPr lang="en-GB" smtClean="0"/>
               <a:pPr/>
-              <a:t>16/11/2024</a:t>
+              <a:t>13/11/2025</a:t>
             </a:fld>
             <a:endParaRPr lang="en-GB" dirty="0"/>
           </a:p>
@@ -6821,7 +6824,7 @@
             <a:fld id="{C473AACB-D821-4991-9D88-46EB8D29E619}" type="datetimeFigureOut">
               <a:rPr lang="en-GB" smtClean="0"/>
               <a:pPr/>
-              <a:t>16/11/2024</a:t>
+              <a:t>13/11/2025</a:t>
             </a:fld>
             <a:endParaRPr lang="en-GB" dirty="0"/>
           </a:p>
@@ -7598,7 +7601,7 @@
             <a:fld id="{C473AACB-D821-4991-9D88-46EB8D29E619}" type="datetimeFigureOut">
               <a:rPr lang="en-GB" smtClean="0"/>
               <a:pPr/>
-              <a:t>16/11/2024</a:t>
+              <a:t>13/11/2025</a:t>
             </a:fld>
             <a:endParaRPr lang="en-GB" dirty="0"/>
           </a:p>
@@ -8167,7 +8170,7 @@
           <a:p>
             <a:r>
               <a:rPr lang="en-GB" dirty="0" smtClean="0"/>
-              <a:t>PIC18FxxQ24 </a:t>
+              <a:t>PIC16F175xx </a:t>
             </a:r>
             <a:r>
               <a:rPr lang="en-GB" dirty="0"/>
@@ -8226,43 +8229,342 @@
       </p:grpSpPr>
       <p:sp>
         <p:nvSpPr>
-          <p:cNvPr id="2" name="Title 1"/>
-          <p:cNvSpPr>
-            <a:spLocks noGrp="1"/>
-          </p:cNvSpPr>
-          <p:nvPr>
-            <p:ph type="title"/>
-          </p:nvPr>
-        </p:nvSpPr>
-        <p:spPr/>
-        <p:txBody>
-          <a:bodyPr/>
+          <p:cNvPr id="4" name="Rectangle 3"/>
+          <p:cNvSpPr/>
+          <p:nvPr/>
+        </p:nvSpPr>
+        <p:spPr>
+          <a:xfrm>
+            <a:off x="5480050" y="2562225"/>
+            <a:ext cx="964158" cy="174625"/>
+          </a:xfrm>
+          <a:prstGeom prst="rect">
+            <a:avLst/>
+          </a:prstGeom>
+          <a:noFill/>
+          <a:ln>
+            <a:solidFill>
+              <a:srgbClr val="FF0000"/>
+            </a:solidFill>
+          </a:ln>
+        </p:spPr>
+        <p:style>
+          <a:lnRef idx="2">
+            <a:schemeClr val="accent1">
+              <a:shade val="50000"/>
+            </a:schemeClr>
+          </a:lnRef>
+          <a:fillRef idx="1">
+            <a:schemeClr val="accent1"/>
+          </a:fillRef>
+          <a:effectRef idx="0">
+            <a:schemeClr val="accent1"/>
+          </a:effectRef>
+          <a:fontRef idx="minor">
+            <a:schemeClr val="lt1"/>
+          </a:fontRef>
+        </p:style>
+        <p:txBody>
+          <a:bodyPr rtlCol="0" anchor="ctr"/>
           <a:lstStyle/>
           <a:p>
+            <a:pPr algn="ctr"/>
             <a:endParaRPr lang="en-GB"/>
           </a:p>
         </p:txBody>
       </p:sp>
       <p:sp>
         <p:nvSpPr>
-          <p:cNvPr id="3" name="Content Placeholder 2"/>
-          <p:cNvSpPr>
-            <a:spLocks noGrp="1"/>
-          </p:cNvSpPr>
-          <p:nvPr>
-            <p:ph idx="1"/>
-          </p:nvPr>
-        </p:nvSpPr>
-        <p:spPr/>
-        <p:txBody>
-          <a:bodyPr/>
+          <p:cNvPr id="5" name="Oval 4"/>
+          <p:cNvSpPr/>
+          <p:nvPr/>
+        </p:nvSpPr>
+        <p:spPr>
+          <a:xfrm>
+            <a:off x="4067944" y="3984352"/>
+            <a:ext cx="216024" cy="216024"/>
+          </a:xfrm>
+          <a:prstGeom prst="ellipse">
+            <a:avLst/>
+          </a:prstGeom>
+          <a:noFill/>
+          <a:ln>
+            <a:solidFill>
+              <a:srgbClr val="FF0000"/>
+            </a:solidFill>
+          </a:ln>
+        </p:spPr>
+        <p:style>
+          <a:lnRef idx="2">
+            <a:schemeClr val="accent1">
+              <a:shade val="50000"/>
+            </a:schemeClr>
+          </a:lnRef>
+          <a:fillRef idx="1">
+            <a:schemeClr val="accent1"/>
+          </a:fillRef>
+          <a:effectRef idx="0">
+            <a:schemeClr val="accent1"/>
+          </a:effectRef>
+          <a:fontRef idx="minor">
+            <a:schemeClr val="lt1"/>
+          </a:fontRef>
+        </p:style>
+        <p:txBody>
+          <a:bodyPr rtlCol="0" anchor="ctr"/>
           <a:lstStyle/>
           <a:p>
+            <a:pPr algn="ctr"/>
             <a:endParaRPr lang="en-GB"/>
           </a:p>
         </p:txBody>
       </p:sp>
+      <p:sp>
+        <p:nvSpPr>
+          <p:cNvPr id="6" name="Freeform 5"/>
+          <p:cNvSpPr/>
+          <p:nvPr/>
+        </p:nvSpPr>
+        <p:spPr>
+          <a:xfrm>
+            <a:off x="5810622" y="2825750"/>
+            <a:ext cx="945778" cy="996950"/>
+          </a:xfrm>
+          <a:custGeom>
+            <a:avLst/>
+            <a:gdLst>
+              <a:gd name="connsiteX0" fmla="*/ 101228 w 945778"/>
+              <a:gd name="connsiteY0" fmla="*/ 0 h 996950"/>
+              <a:gd name="connsiteX1" fmla="*/ 75828 w 945778"/>
+              <a:gd name="connsiteY1" fmla="*/ 571500 h 996950"/>
+              <a:gd name="connsiteX2" fmla="*/ 945778 w 945778"/>
+              <a:gd name="connsiteY2" fmla="*/ 996950 h 996950"/>
+            </a:gdLst>
+            <a:ahLst/>
+            <a:cxnLst>
+              <a:cxn ang="0">
+                <a:pos x="connsiteX0" y="connsiteY0"/>
+              </a:cxn>
+              <a:cxn ang="0">
+                <a:pos x="connsiteX1" y="connsiteY1"/>
+              </a:cxn>
+              <a:cxn ang="0">
+                <a:pos x="connsiteX2" y="connsiteY2"/>
+              </a:cxn>
+            </a:cxnLst>
+            <a:rect l="l" t="t" r="r" b="b"/>
+            <a:pathLst>
+              <a:path w="945778" h="996950">
+                <a:moveTo>
+                  <a:pt x="101228" y="0"/>
+                </a:moveTo>
+                <a:cubicBezTo>
+                  <a:pt x="18149" y="202671"/>
+                  <a:pt x="-64930" y="405342"/>
+                  <a:pt x="75828" y="571500"/>
+                </a:cubicBezTo>
+                <a:cubicBezTo>
+                  <a:pt x="216586" y="737658"/>
+                  <a:pt x="581182" y="867304"/>
+                  <a:pt x="945778" y="996950"/>
+                </a:cubicBezTo>
+              </a:path>
+            </a:pathLst>
+          </a:custGeom>
+          <a:noFill/>
+          <a:ln>
+            <a:solidFill>
+              <a:srgbClr val="FF0000"/>
+            </a:solidFill>
+          </a:ln>
+        </p:spPr>
+        <p:style>
+          <a:lnRef idx="2">
+            <a:schemeClr val="accent1">
+              <a:shade val="50000"/>
+            </a:schemeClr>
+          </a:lnRef>
+          <a:fillRef idx="1">
+            <a:schemeClr val="accent1"/>
+          </a:fillRef>
+          <a:effectRef idx="0">
+            <a:schemeClr val="accent1"/>
+          </a:effectRef>
+          <a:fontRef idx="minor">
+            <a:schemeClr val="lt1"/>
+          </a:fontRef>
+        </p:style>
+        <p:txBody>
+          <a:bodyPr rtlCol="0" anchor="ctr"/>
+          <a:lstStyle/>
+          <a:p>
+            <a:pPr algn="ctr"/>
+            <a:endParaRPr lang="en-GB">
+              <a:solidFill>
+                <a:schemeClr val="lt1"/>
+              </a:solidFill>
+            </a:endParaRPr>
+          </a:p>
+        </p:txBody>
+      </p:sp>
+      <p:sp>
+        <p:nvSpPr>
+          <p:cNvPr id="8" name="Freeform 7"/>
+          <p:cNvSpPr/>
+          <p:nvPr/>
+        </p:nvSpPr>
+        <p:spPr>
+          <a:xfrm>
+            <a:off x="4197350" y="3635066"/>
+            <a:ext cx="2654300" cy="340034"/>
+          </a:xfrm>
+          <a:custGeom>
+            <a:avLst/>
+            <a:gdLst>
+              <a:gd name="connsiteX0" fmla="*/ 2654300 w 2654300"/>
+              <a:gd name="connsiteY0" fmla="*/ 193984 h 340034"/>
+              <a:gd name="connsiteX1" fmla="*/ 558800 w 2654300"/>
+              <a:gd name="connsiteY1" fmla="*/ 3484 h 340034"/>
+              <a:gd name="connsiteX2" fmla="*/ 0 w 2654300"/>
+              <a:gd name="connsiteY2" fmla="*/ 340034 h 340034"/>
+            </a:gdLst>
+            <a:ahLst/>
+            <a:cxnLst>
+              <a:cxn ang="0">
+                <a:pos x="connsiteX0" y="connsiteY0"/>
+              </a:cxn>
+              <a:cxn ang="0">
+                <a:pos x="connsiteX1" y="connsiteY1"/>
+              </a:cxn>
+              <a:cxn ang="0">
+                <a:pos x="connsiteX2" y="connsiteY2"/>
+              </a:cxn>
+            </a:cxnLst>
+            <a:rect l="l" t="t" r="r" b="b"/>
+            <a:pathLst>
+              <a:path w="2654300" h="340034">
+                <a:moveTo>
+                  <a:pt x="2654300" y="193984"/>
+                </a:moveTo>
+                <a:cubicBezTo>
+                  <a:pt x="1827741" y="86563"/>
+                  <a:pt x="1001183" y="-20858"/>
+                  <a:pt x="558800" y="3484"/>
+                </a:cubicBezTo>
+                <a:cubicBezTo>
+                  <a:pt x="116417" y="27826"/>
+                  <a:pt x="0" y="340034"/>
+                  <a:pt x="0" y="340034"/>
+                </a:cubicBezTo>
+              </a:path>
+            </a:pathLst>
+          </a:custGeom>
+          <a:noFill/>
+          <a:ln>
+            <a:solidFill>
+              <a:srgbClr val="FF0000"/>
+            </a:solidFill>
+          </a:ln>
+        </p:spPr>
+        <p:style>
+          <a:lnRef idx="2">
+            <a:schemeClr val="accent1">
+              <a:shade val="50000"/>
+            </a:schemeClr>
+          </a:lnRef>
+          <a:fillRef idx="1">
+            <a:schemeClr val="accent1"/>
+          </a:fillRef>
+          <a:effectRef idx="0">
+            <a:schemeClr val="accent1"/>
+          </a:effectRef>
+          <a:fontRef idx="minor">
+            <a:schemeClr val="lt1"/>
+          </a:fontRef>
+        </p:style>
+        <p:txBody>
+          <a:bodyPr rtlCol="0" anchor="ctr"/>
+          <a:lstStyle/>
+          <a:p>
+            <a:pPr algn="ctr"/>
+            <a:endParaRPr lang="en-GB">
+              <a:solidFill>
+                <a:schemeClr val="lt1"/>
+              </a:solidFill>
+            </a:endParaRPr>
+          </a:p>
+        </p:txBody>
+      </p:sp>
+      <p:pic>
+        <p:nvPicPr>
+          <p:cNvPr id="2050" name="Picture 2"/>
+          <p:cNvPicPr>
+            <a:picLocks noChangeAspect="1" noChangeArrowheads="1"/>
+          </p:cNvPicPr>
+          <p:nvPr/>
+        </p:nvPicPr>
+        <p:blipFill>
+          <a:blip r:embed="rId2">
+            <a:extLst>
+              <a:ext uri="{28A0092B-C50C-407E-A947-70E740481C1C}">
+                <a14:useLocalDpi xmlns:a14="http://schemas.microsoft.com/office/drawing/2010/main" val="0"/>
+              </a:ext>
+            </a:extLst>
+          </a:blip>
+          <a:srcRect/>
+          <a:stretch>
+            <a:fillRect/>
+          </a:stretch>
+        </p:blipFill>
+        <p:spPr bwMode="auto">
+          <a:xfrm>
+            <a:off x="1115616" y="203148"/>
+            <a:ext cx="6477347" cy="4892777"/>
+          </a:xfrm>
+          <a:prstGeom prst="rect">
+            <a:avLst/>
+          </a:prstGeom>
+          <a:noFill/>
+          <a:ln>
+            <a:noFill/>
+          </a:ln>
+          <a:effectLst/>
+          <a:extLst>
+            <a:ext uri="{909E8E84-426E-40DD-AFC4-6F175D3DCCD1}">
+              <a14:hiddenFill xmlns:a14="http://schemas.microsoft.com/office/drawing/2010/main">
+                <a:solidFill>
+                  <a:schemeClr val="accent1"/>
+                </a:solidFill>
+              </a14:hiddenFill>
+            </a:ext>
+            <a:ext uri="{91240B29-F687-4F45-9708-019B960494DF}">
+              <a14:hiddenLine xmlns:a14="http://schemas.microsoft.com/office/drawing/2010/main" w="9525">
+                <a:solidFill>
+                  <a:schemeClr val="tx1"/>
+                </a:solidFill>
+                <a:miter lim="800000"/>
+                <a:headEnd/>
+                <a:tailEnd/>
+              </a14:hiddenLine>
+            </a:ext>
+            <a:ext uri="{AF507438-7753-43E0-B8FC-AC1667EBCBE1}">
+              <a14:hiddenEffects xmlns:a14="http://schemas.microsoft.com/office/drawing/2010/main">
+                <a:effectLst>
+                  <a:outerShdw dist="35921" dir="2700000" algn="ctr" rotWithShape="0">
+                    <a:schemeClr val="bg2"/>
+                  </a:outerShdw>
+                </a:effectLst>
+              </a14:hiddenEffects>
+            </a:ext>
+          </a:extLst>
+        </p:spPr>
+      </p:pic>
     </p:spTree>
+    <p:extLst>
+      <p:ext uri="{BB962C8B-B14F-4D97-AF65-F5344CB8AC3E}">
+        <p14:creationId xmlns:p14="http://schemas.microsoft.com/office/powerpoint/2010/main" val="1625225483"/>
+      </p:ext>
+    </p:extLst>
   </p:cSld>
   <p:clrMapOvr>
     <a:masterClrMapping/>
@@ -8314,400 +8616,120 @@
         </p:nvSpPr>
         <p:spPr/>
         <p:txBody>
+          <a:bodyPr/>
+          <a:lstStyle/>
+          <a:p>
+            <a:pPr algn="l"/>
+            <a:r>
+              <a:rPr lang="en-GB" dirty="0" smtClean="0"/>
+              <a:t>Workshop</a:t>
+            </a:r>
+            <a:endParaRPr lang="en-GB" dirty="0"/>
+          </a:p>
+        </p:txBody>
+      </p:sp>
+      <p:sp>
+        <p:nvSpPr>
+          <p:cNvPr id="3" name="Content Placeholder 2"/>
+          <p:cNvSpPr>
+            <a:spLocks noGrp="1"/>
+          </p:cNvSpPr>
+          <p:nvPr>
+            <p:ph idx="1"/>
+          </p:nvPr>
+        </p:nvSpPr>
+        <p:spPr/>
+        <p:txBody>
           <a:bodyPr>
-            <a:normAutofit/>
+            <a:normAutofit fontScale="92500"/>
           </a:bodyPr>
           <a:lstStyle/>
           <a:p>
             <a:r>
+              <a:rPr lang="en-GB" sz="1000" dirty="0"/>
+              <a:t>C:\</a:t>
+            </a:r>
+            <a:r>
+              <a:rPr lang="en-GB" sz="1000" dirty="0" smtClean="0"/>
+              <a:t>GCSTUDIO\GCBASIC\DEMOS\Vendor_Boards\Great_Cow_Basic_Demo_Board\16F175xx_Chiprange_Demonstrations</a:t>
+            </a:r>
+            <a:endParaRPr lang="en-GB" sz="1000" dirty="0"/>
+          </a:p>
+          <a:p>
+            <a:endParaRPr lang="en-GB" dirty="0" smtClean="0"/>
+          </a:p>
+          <a:p>
+            <a:r>
               <a:rPr lang="en-GB" dirty="0" smtClean="0"/>
-              <a:t>Videos...</a:t>
-            </a:r>
-            <a:endParaRPr lang="en-GB" dirty="0"/>
-          </a:p>
-        </p:txBody>
-      </p:sp>
-      <p:sp>
-        <p:nvSpPr>
-          <p:cNvPr id="3" name="Content Placeholder 2"/>
-          <p:cNvSpPr>
-            <a:spLocks noGrp="1"/>
-          </p:cNvSpPr>
-          <p:nvPr>
-            <p:ph idx="1"/>
-          </p:nvPr>
-        </p:nvSpPr>
-        <p:spPr>
-          <a:xfrm>
-            <a:off x="467544" y="987574"/>
-            <a:ext cx="6447501" cy="4111476"/>
-          </a:xfrm>
-          <a:solidFill>
-            <a:schemeClr val="bg1"/>
-          </a:solidFill>
-        </p:spPr>
-        <p:txBody>
-          <a:bodyPr>
-            <a:noAutofit/>
-          </a:bodyPr>
-          <a:lstStyle/>
-          <a:p>
-            <a:pPr marL="180000" indent="-478483">
-              <a:spcBef>
-                <a:spcPts val="300"/>
-              </a:spcBef>
-              <a:buFont typeface="+mj-lt"/>
-              <a:buAutoNum type="arabicPeriod"/>
-            </a:pPr>
-            <a:r>
-              <a:rPr lang="en-GB" sz="1100" dirty="0"/>
-              <a:t>Install the hardware and make the board work – three LED programs</a:t>
-            </a:r>
-          </a:p>
-          <a:p>
-            <a:pPr marL="180000" indent="-478483">
-              <a:spcBef>
-                <a:spcPts val="300"/>
-              </a:spcBef>
-              <a:buFont typeface="+mj-lt"/>
-              <a:buAutoNum type="arabicPeriod"/>
-            </a:pPr>
-            <a:r>
-              <a:rPr lang="en-GB" sz="1100" b="1" dirty="0"/>
-              <a:t>Make  four LEDs flash in a sequence</a:t>
-            </a:r>
-          </a:p>
-          <a:p>
-            <a:pPr marL="180000" indent="-478483">
-              <a:spcBef>
-                <a:spcPts val="300"/>
-              </a:spcBef>
-              <a:buFont typeface="+mj-lt"/>
-              <a:buAutoNum type="arabicPeriod"/>
-            </a:pPr>
-            <a:r>
-              <a:rPr lang="en-GB" sz="1100" dirty="0"/>
-              <a:t>Set the LEDs to represent the value of ADC</a:t>
-            </a:r>
-          </a:p>
-          <a:p>
-            <a:pPr marL="180000" indent="-478483">
-              <a:spcBef>
-                <a:spcPts val="300"/>
-              </a:spcBef>
-              <a:buFont typeface="+mj-lt"/>
-              <a:buAutoNum type="arabicPeriod"/>
-            </a:pPr>
-            <a:r>
-              <a:rPr lang="en-GB" sz="1100" dirty="0"/>
-              <a:t>Sequence the LEDs with a delay using the value of ADC</a:t>
-            </a:r>
-          </a:p>
-          <a:p>
-            <a:pPr marL="180000" indent="-478483">
-              <a:spcBef>
-                <a:spcPts val="300"/>
-              </a:spcBef>
-              <a:buFont typeface="+mj-lt"/>
-              <a:buAutoNum type="arabicPeriod"/>
-            </a:pPr>
-            <a:r>
-              <a:rPr lang="en-GB" sz="1100" dirty="0"/>
-              <a:t>Using an input to set the state of the LEDs</a:t>
-            </a:r>
-          </a:p>
-          <a:p>
-            <a:pPr marL="180000" indent="-478483">
-              <a:spcBef>
-                <a:spcPts val="300"/>
-              </a:spcBef>
-              <a:buFont typeface="+mj-lt"/>
-              <a:buAutoNum type="arabicPeriod"/>
-            </a:pPr>
-            <a:r>
-              <a:rPr lang="en-GB" sz="1100" dirty="0"/>
-              <a:t>Using the reset switch</a:t>
-            </a:r>
-          </a:p>
-          <a:p>
-            <a:pPr marL="180000" indent="-478483">
-              <a:spcBef>
-                <a:spcPts val="300"/>
-              </a:spcBef>
-              <a:buFont typeface="+mj-lt"/>
-              <a:buAutoNum type="arabicPeriod"/>
-            </a:pPr>
-            <a:r>
-              <a:rPr lang="en-GB" sz="1100" dirty="0"/>
-              <a:t>Using the switch, ADC – make the LEDs flash in a sequence with reverse</a:t>
-            </a:r>
-          </a:p>
-          <a:p>
-            <a:pPr marL="180000" indent="-478483">
-              <a:spcBef>
-                <a:spcPts val="300"/>
-              </a:spcBef>
-              <a:buFont typeface="+mj-lt"/>
-              <a:buAutoNum type="arabicPeriod"/>
-            </a:pPr>
-            <a:r>
-              <a:rPr lang="en-GB" sz="1100" dirty="0"/>
-              <a:t>Using the serial to display values</a:t>
-            </a:r>
-          </a:p>
-          <a:p>
-            <a:pPr marL="180000" indent="-478483">
-              <a:spcBef>
-                <a:spcPts val="300"/>
-              </a:spcBef>
-              <a:buFont typeface="+mj-lt"/>
-              <a:buAutoNum type="arabicPeriod"/>
-            </a:pPr>
-            <a:r>
-              <a:rPr lang="en-GB" sz="1100" dirty="0"/>
-              <a:t>Using the timer0 overflow, 8bit timer, 16bit timer to flash the LEDs</a:t>
-            </a:r>
-          </a:p>
-          <a:p>
-            <a:pPr marL="180000" indent="-478483">
-              <a:spcBef>
-                <a:spcPts val="300"/>
-              </a:spcBef>
-              <a:buFont typeface="+mj-lt"/>
-              <a:buAutoNum type="arabicPeriod"/>
-            </a:pPr>
-            <a:r>
-              <a:rPr lang="en-GB" sz="1100" dirty="0"/>
-              <a:t>Using </a:t>
-            </a:r>
-            <a:r>
-              <a:rPr lang="en-GB" sz="1100" dirty="0" err="1"/>
-              <a:t>EEProm</a:t>
-            </a:r>
-            <a:r>
-              <a:rPr lang="en-GB" sz="1100" dirty="0"/>
-              <a:t> – showing values on the serial terminal, and more constants insights</a:t>
-            </a:r>
-          </a:p>
-          <a:p>
-            <a:pPr marL="180000" indent="-478483">
-              <a:spcBef>
-                <a:spcPts val="300"/>
-              </a:spcBef>
-              <a:buFont typeface="+mj-lt"/>
-              <a:buAutoNum type="arabicPeriod"/>
-            </a:pPr>
-            <a:r>
-              <a:rPr lang="en-GB" sz="1100" dirty="0"/>
-              <a:t>Using I2C with serial to discover I2C devices</a:t>
-            </a:r>
-          </a:p>
-          <a:p>
-            <a:pPr marL="180000" indent="-478483">
-              <a:spcBef>
-                <a:spcPts val="300"/>
-              </a:spcBef>
-              <a:buFont typeface="+mj-lt"/>
-              <a:buAutoNum type="arabicPeriod"/>
-            </a:pPr>
-            <a:r>
-              <a:rPr lang="en-GB" sz="1100" dirty="0"/>
-              <a:t>Using an I2C GCLD display</a:t>
-            </a:r>
-          </a:p>
-          <a:p>
-            <a:pPr marL="180000" indent="-478483">
-              <a:spcBef>
-                <a:spcPts val="300"/>
-              </a:spcBef>
-              <a:buFont typeface="+mj-lt"/>
-              <a:buAutoNum type="arabicPeriod"/>
-            </a:pPr>
-            <a:r>
-              <a:rPr lang="en-GB" sz="1100" dirty="0"/>
-              <a:t>Using a SPI GCLD display</a:t>
-            </a:r>
-          </a:p>
-          <a:p>
-            <a:pPr marL="180000" indent="-478483">
-              <a:spcBef>
-                <a:spcPts val="300"/>
-              </a:spcBef>
-              <a:buFont typeface="+mj-lt"/>
-              <a:buAutoNum type="arabicPeriod"/>
-            </a:pPr>
-            <a:r>
-              <a:rPr lang="en-GB" sz="1100" dirty="0"/>
-              <a:t>Using PWM, 7  ways,  to dim the LEDS</a:t>
-            </a:r>
-          </a:p>
-          <a:p>
-            <a:pPr marL="180000" indent="-478483">
-              <a:spcBef>
-                <a:spcPts val="300"/>
-              </a:spcBef>
-              <a:buFont typeface="+mj-lt"/>
-              <a:buAutoNum type="arabicPeriod"/>
-            </a:pPr>
-            <a:r>
-              <a:rPr lang="en-GB" sz="1100" dirty="0"/>
-              <a:t>Using an external interrupt to control an LED</a:t>
-            </a:r>
-          </a:p>
-          <a:p>
-            <a:pPr marL="180000" indent="-478483">
-              <a:spcBef>
-                <a:spcPts val="300"/>
-              </a:spcBef>
-              <a:buFont typeface="+mj-lt"/>
-              <a:buAutoNum type="arabicPeriod"/>
-            </a:pPr>
-            <a:r>
-              <a:rPr lang="en-GB" sz="1100" dirty="0"/>
-              <a:t>Using storage within the chip – </a:t>
-            </a:r>
-            <a:r>
-              <a:rPr lang="en-GB" sz="1100" dirty="0" err="1"/>
-              <a:t>Progmem</a:t>
-            </a:r>
-            <a:r>
-              <a:rPr lang="en-GB" sz="1100" dirty="0"/>
-              <a:t>, SAF memory, EEPROM and DATA blocks</a:t>
-            </a:r>
-          </a:p>
-          <a:p>
-            <a:pPr marL="180000" indent="-478483">
-              <a:spcBef>
-                <a:spcPts val="300"/>
-              </a:spcBef>
-              <a:buFont typeface="+mj-lt"/>
-              <a:buAutoNum type="arabicPeriod"/>
-            </a:pPr>
-            <a:r>
-              <a:rPr lang="en-GB" sz="1100" dirty="0"/>
-              <a:t>Using CLC</a:t>
-            </a:r>
-          </a:p>
-          <a:p>
-            <a:pPr marL="180000" indent="-478483">
-              <a:spcBef>
-                <a:spcPts val="300"/>
-              </a:spcBef>
-              <a:buFont typeface="+mj-lt"/>
-              <a:buAutoNum type="arabicPeriod"/>
-            </a:pPr>
-            <a:r>
-              <a:rPr lang="en-GB" sz="1100" dirty="0"/>
-              <a:t>The GCBASIC tool chain</a:t>
-            </a:r>
-          </a:p>
-          <a:p>
-            <a:pPr marL="180000" indent="-478483">
-              <a:spcBef>
-                <a:spcPts val="300"/>
-              </a:spcBef>
-              <a:buFont typeface="+mj-lt"/>
-              <a:buAutoNum type="arabicPeriod"/>
-            </a:pPr>
-            <a:r>
-              <a:rPr lang="en-GB" sz="1100" dirty="0"/>
-              <a:t>Assembly , alternatives assemblers and MPLAB-X</a:t>
-            </a:r>
-          </a:p>
-          <a:p>
-            <a:pPr marL="180000" indent="-478483">
-              <a:spcBef>
-                <a:spcPts val="300"/>
-              </a:spcBef>
-              <a:buFont typeface="+mj-lt"/>
-              <a:buAutoNum type="arabicPeriod"/>
-            </a:pPr>
-            <a:r>
-              <a:rPr lang="en-GB" sz="1100" dirty="0"/>
-              <a:t>Summary</a:t>
-            </a:r>
-          </a:p>
-          <a:p>
-            <a:pPr marL="180000" indent="-478483">
-              <a:spcBef>
-                <a:spcPts val="300"/>
-              </a:spcBef>
-              <a:buFont typeface="+mj-lt"/>
-              <a:buAutoNum type="arabicPeriod"/>
-            </a:pPr>
-            <a:endParaRPr lang="en-GB" sz="400" dirty="0" smtClean="0">
-              <a:solidFill>
-                <a:schemeClr val="bg1">
-                  <a:lumMod val="75000"/>
-                </a:schemeClr>
-              </a:solidFill>
-            </a:endParaRPr>
-          </a:p>
-          <a:p>
-            <a:pPr marL="180000" indent="-478483">
-              <a:spcBef>
-                <a:spcPts val="300"/>
-              </a:spcBef>
-              <a:buNone/>
-            </a:pPr>
-            <a:endParaRPr lang="en-GB" sz="700" dirty="0" smtClean="0"/>
-          </a:p>
-          <a:p>
-            <a:pPr marL="180000" indent="-478483">
-              <a:spcBef>
-                <a:spcPts val="300"/>
-              </a:spcBef>
-              <a:buFont typeface="+mj-lt"/>
-              <a:buAutoNum type="arabicPeriod"/>
-            </a:pPr>
-            <a:endParaRPr lang="en-GB" sz="700" dirty="0" smtClean="0"/>
-          </a:p>
-          <a:p>
-            <a:pPr marL="180000" indent="-478483">
-              <a:spcBef>
-                <a:spcPts val="300"/>
-              </a:spcBef>
-              <a:buFont typeface="+mj-lt"/>
-              <a:buAutoNum type="arabicPeriod"/>
-            </a:pPr>
-            <a:endParaRPr lang="en-GB" sz="500" dirty="0" smtClean="0"/>
-          </a:p>
-          <a:p>
-            <a:pPr marL="180000" indent="-478483">
-              <a:spcBef>
-                <a:spcPts val="300"/>
-              </a:spcBef>
-              <a:buFont typeface="+mj-lt"/>
-              <a:buAutoNum type="arabicPeriod"/>
-            </a:pPr>
-            <a:endParaRPr lang="en-GB" sz="500" dirty="0" smtClean="0"/>
-          </a:p>
-          <a:p>
-            <a:pPr marL="180000" indent="-478483">
-              <a:spcBef>
-                <a:spcPts val="300"/>
-              </a:spcBef>
-              <a:buFont typeface="+mj-lt"/>
-              <a:buAutoNum type="arabicPeriod"/>
-            </a:pPr>
-            <a:endParaRPr lang="en-GB" sz="500" dirty="0" smtClean="0"/>
-          </a:p>
-          <a:p>
-            <a:pPr marL="180000" indent="-478483">
-              <a:spcBef>
-                <a:spcPts val="300"/>
-              </a:spcBef>
-              <a:buFont typeface="+mj-lt"/>
-              <a:buAutoNum type="arabicPeriod"/>
-            </a:pPr>
-            <a:endParaRPr lang="en-GB" sz="500" dirty="0"/>
+              <a:t>Blink the LED</a:t>
+            </a:r>
+          </a:p>
+          <a:p>
+            <a:pPr lvl="1"/>
+            <a:r>
+              <a:rPr lang="en-GB" dirty="0" smtClean="0"/>
+              <a:t>Direct addressing of register</a:t>
+            </a:r>
+          </a:p>
+          <a:p>
+            <a:r>
+              <a:rPr lang="en-GB" dirty="0" smtClean="0"/>
+              <a:t>Blink the LED</a:t>
+            </a:r>
+          </a:p>
+          <a:p>
+            <a:pPr lvl="1"/>
+            <a:r>
+              <a:rPr lang="en-GB" dirty="0" smtClean="0"/>
+              <a:t>Introduce CONSTANTS</a:t>
+            </a:r>
+          </a:p>
+          <a:p>
+            <a:pPr lvl="2"/>
+            <a:r>
+              <a:rPr lang="en-GB" dirty="0" smtClean="0"/>
+              <a:t>#DEFINE</a:t>
+            </a:r>
+          </a:p>
+          <a:p>
+            <a:pPr lvl="1"/>
+            <a:r>
+              <a:rPr lang="en-GB" dirty="0" smtClean="0"/>
+              <a:t>GCBASIC commands</a:t>
+            </a:r>
+          </a:p>
+          <a:p>
+            <a:pPr lvl="2"/>
+            <a:r>
+              <a:rPr lang="en-GB" dirty="0" smtClean="0"/>
+              <a:t>DIR</a:t>
+            </a:r>
+          </a:p>
+          <a:p>
+            <a:pPr lvl="2"/>
+            <a:r>
+              <a:rPr lang="en-GB" dirty="0" smtClean="0"/>
+              <a:t>WAIT</a:t>
+            </a:r>
+          </a:p>
+          <a:p>
+            <a:pPr lvl="2"/>
+            <a:endParaRPr lang="en-GB" dirty="0" smtClean="0"/>
+          </a:p>
+          <a:p>
+            <a:pPr lvl="2"/>
+            <a:endParaRPr lang="en-GB" dirty="0" smtClean="0"/>
+          </a:p>
+          <a:p>
+            <a:pPr lvl="1"/>
+            <a:endParaRPr lang="en-GB" dirty="0" smtClean="0"/>
           </a:p>
         </p:txBody>
       </p:sp>
     </p:spTree>
     <p:extLst>
       <p:ext uri="{BB962C8B-B14F-4D97-AF65-F5344CB8AC3E}">
-        <p14:creationId xmlns:p14="http://schemas.microsoft.com/office/powerpoint/2010/main" val="2888874992"/>
+        <p14:creationId xmlns:p14="http://schemas.microsoft.com/office/powerpoint/2010/main" val="2851363068"/>
       </p:ext>
     </p:extLst>
   </p:cSld>
@@ -8756,6 +8778,539 @@
             <a:spLocks noGrp="1"/>
           </p:cNvSpPr>
           <p:nvPr>
+            <p:ph type="title"/>
+          </p:nvPr>
+        </p:nvSpPr>
+        <p:spPr/>
+        <p:txBody>
+          <a:bodyPr/>
+          <a:lstStyle/>
+          <a:p>
+            <a:endParaRPr lang="en-GB"/>
+          </a:p>
+        </p:txBody>
+      </p:sp>
+      <p:sp>
+        <p:nvSpPr>
+          <p:cNvPr id="3" name="Content Placeholder 2"/>
+          <p:cNvSpPr>
+            <a:spLocks noGrp="1"/>
+          </p:cNvSpPr>
+          <p:nvPr>
+            <p:ph idx="1"/>
+          </p:nvPr>
+        </p:nvSpPr>
+        <p:spPr/>
+        <p:txBody>
+          <a:bodyPr/>
+          <a:lstStyle/>
+          <a:p>
+            <a:endParaRPr lang="en-GB"/>
+          </a:p>
+        </p:txBody>
+      </p:sp>
+    </p:spTree>
+  </p:cSld>
+  <p:clrMapOvr>
+    <a:masterClrMapping/>
+  </p:clrMapOvr>
+  <mc:AlternateContent xmlns:mc="http://schemas.openxmlformats.org/markup-compatibility/2006" xmlns:p14="http://schemas.microsoft.com/office/powerpoint/2010/main">
+    <mc:Choice Requires="p14">
+      <p:transition spd="slow" p14:dur="2000"/>
+    </mc:Choice>
+    <mc:Fallback xmlns="">
+      <p:transition spd="slow"/>
+    </mc:Fallback>
+  </mc:AlternateContent>
+  <p:timing>
+    <p:tnLst>
+      <p:par>
+        <p:cTn id="1" dur="indefinite" restart="never" nodeType="tmRoot"/>
+      </p:par>
+    </p:tnLst>
+  </p:timing>
+</p:sld>
+</file>
+
+<file path=ppt/slides/slide13.xml><?xml version="1.0" encoding="utf-8"?>
+<p:sld xmlns:a="http://schemas.openxmlformats.org/drawingml/2006/main" xmlns:r="http://schemas.openxmlformats.org/officeDocument/2006/relationships" xmlns:p="http://schemas.openxmlformats.org/presentationml/2006/main">
+  <p:cSld>
+    <p:spTree>
+      <p:nvGrpSpPr>
+        <p:cNvPr id="1" name=""/>
+        <p:cNvGrpSpPr/>
+        <p:nvPr/>
+      </p:nvGrpSpPr>
+      <p:grpSpPr>
+        <a:xfrm>
+          <a:off x="0" y="0"/>
+          <a:ext cx="0" cy="0"/>
+          <a:chOff x="0" y="0"/>
+          <a:chExt cx="0" cy="0"/>
+        </a:xfrm>
+      </p:grpSpPr>
+      <p:sp>
+        <p:nvSpPr>
+          <p:cNvPr id="2" name="Title 1"/>
+          <p:cNvSpPr>
+            <a:spLocks noGrp="1"/>
+          </p:cNvSpPr>
+          <p:nvPr>
+            <p:ph type="title"/>
+          </p:nvPr>
+        </p:nvSpPr>
+        <p:spPr/>
+        <p:txBody>
+          <a:bodyPr>
+            <a:normAutofit/>
+          </a:bodyPr>
+          <a:lstStyle/>
+          <a:p>
+            <a:r>
+              <a:rPr lang="en-GB" dirty="0" smtClean="0"/>
+              <a:t>Videos...</a:t>
+            </a:r>
+            <a:endParaRPr lang="en-GB" dirty="0"/>
+          </a:p>
+        </p:txBody>
+      </p:sp>
+      <p:sp>
+        <p:nvSpPr>
+          <p:cNvPr id="3" name="Content Placeholder 2"/>
+          <p:cNvSpPr>
+            <a:spLocks noGrp="1"/>
+          </p:cNvSpPr>
+          <p:nvPr>
+            <p:ph idx="1"/>
+          </p:nvPr>
+        </p:nvSpPr>
+        <p:spPr>
+          <a:xfrm>
+            <a:off x="467544" y="987574"/>
+            <a:ext cx="6447501" cy="4111476"/>
+          </a:xfrm>
+          <a:solidFill>
+            <a:schemeClr val="bg1"/>
+          </a:solidFill>
+        </p:spPr>
+        <p:txBody>
+          <a:bodyPr>
+            <a:noAutofit/>
+          </a:bodyPr>
+          <a:lstStyle/>
+          <a:p>
+            <a:pPr marL="180000" indent="-478483">
+              <a:spcBef>
+                <a:spcPts val="300"/>
+              </a:spcBef>
+              <a:buFont typeface="+mj-lt"/>
+              <a:buAutoNum type="arabicPeriod"/>
+            </a:pPr>
+            <a:r>
+              <a:rPr lang="en-GB" sz="1100" dirty="0"/>
+              <a:t>Install the hardware and make the board work – three LED programs</a:t>
+            </a:r>
+          </a:p>
+          <a:p>
+            <a:pPr marL="180000" indent="-478483">
+              <a:spcBef>
+                <a:spcPts val="300"/>
+              </a:spcBef>
+              <a:buFont typeface="+mj-lt"/>
+              <a:buAutoNum type="arabicPeriod"/>
+            </a:pPr>
+            <a:r>
+              <a:rPr lang="en-GB" sz="1100" b="1" dirty="0"/>
+              <a:t>Make  four LEDs flash in a sequence</a:t>
+            </a:r>
+          </a:p>
+          <a:p>
+            <a:pPr marL="180000" indent="-478483">
+              <a:spcBef>
+                <a:spcPts val="300"/>
+              </a:spcBef>
+              <a:buFont typeface="+mj-lt"/>
+              <a:buAutoNum type="arabicPeriod"/>
+            </a:pPr>
+            <a:r>
+              <a:rPr lang="en-GB" sz="1100" dirty="0"/>
+              <a:t>Set the LEDs to represent the value of ADC</a:t>
+            </a:r>
+          </a:p>
+          <a:p>
+            <a:pPr marL="180000" indent="-478483">
+              <a:spcBef>
+                <a:spcPts val="300"/>
+              </a:spcBef>
+              <a:buFont typeface="+mj-lt"/>
+              <a:buAutoNum type="arabicPeriod"/>
+            </a:pPr>
+            <a:r>
+              <a:rPr lang="en-GB" sz="1100" dirty="0"/>
+              <a:t>Sequence the LEDs with a delay using the value of ADC</a:t>
+            </a:r>
+          </a:p>
+          <a:p>
+            <a:pPr marL="180000" indent="-478483">
+              <a:spcBef>
+                <a:spcPts val="300"/>
+              </a:spcBef>
+              <a:buFont typeface="+mj-lt"/>
+              <a:buAutoNum type="arabicPeriod"/>
+            </a:pPr>
+            <a:r>
+              <a:rPr lang="en-GB" sz="1100" dirty="0"/>
+              <a:t>Using an input to set the state of the LEDs</a:t>
+            </a:r>
+          </a:p>
+          <a:p>
+            <a:pPr marL="180000" indent="-478483">
+              <a:spcBef>
+                <a:spcPts val="300"/>
+              </a:spcBef>
+              <a:buFont typeface="+mj-lt"/>
+              <a:buAutoNum type="arabicPeriod"/>
+            </a:pPr>
+            <a:r>
+              <a:rPr lang="en-GB" sz="1100" dirty="0"/>
+              <a:t>Using the reset switch</a:t>
+            </a:r>
+          </a:p>
+          <a:p>
+            <a:pPr marL="180000" indent="-478483">
+              <a:spcBef>
+                <a:spcPts val="300"/>
+              </a:spcBef>
+              <a:buFont typeface="+mj-lt"/>
+              <a:buAutoNum type="arabicPeriod"/>
+            </a:pPr>
+            <a:r>
+              <a:rPr lang="en-GB" sz="1100" dirty="0"/>
+              <a:t>Using the switch, ADC – make the LEDs flash in a sequence with reverse</a:t>
+            </a:r>
+          </a:p>
+          <a:p>
+            <a:pPr marL="180000" indent="-478483">
+              <a:spcBef>
+                <a:spcPts val="300"/>
+              </a:spcBef>
+              <a:buFont typeface="+mj-lt"/>
+              <a:buAutoNum type="arabicPeriod"/>
+            </a:pPr>
+            <a:r>
+              <a:rPr lang="en-GB" sz="1100" dirty="0"/>
+              <a:t>Using the serial to display values</a:t>
+            </a:r>
+          </a:p>
+          <a:p>
+            <a:pPr marL="180000" indent="-478483">
+              <a:spcBef>
+                <a:spcPts val="300"/>
+              </a:spcBef>
+              <a:buFont typeface="+mj-lt"/>
+              <a:buAutoNum type="arabicPeriod"/>
+            </a:pPr>
+            <a:r>
+              <a:rPr lang="en-GB" sz="1100" dirty="0"/>
+              <a:t>Using the timer0 overflow, 8bit timer, 16bit timer to flash the LEDs</a:t>
+            </a:r>
+          </a:p>
+          <a:p>
+            <a:pPr marL="180000" indent="-478483">
+              <a:spcBef>
+                <a:spcPts val="300"/>
+              </a:spcBef>
+              <a:buFont typeface="+mj-lt"/>
+              <a:buAutoNum type="arabicPeriod"/>
+            </a:pPr>
+            <a:r>
+              <a:rPr lang="en-GB" sz="1100" dirty="0"/>
+              <a:t>Using </a:t>
+            </a:r>
+            <a:r>
+              <a:rPr lang="en-GB" sz="1100" dirty="0" err="1"/>
+              <a:t>EEProm</a:t>
+            </a:r>
+            <a:r>
+              <a:rPr lang="en-GB" sz="1100" dirty="0"/>
+              <a:t> – showing values on the serial terminal, and more constants insights</a:t>
+            </a:r>
+          </a:p>
+          <a:p>
+            <a:pPr marL="180000" indent="-478483">
+              <a:spcBef>
+                <a:spcPts val="300"/>
+              </a:spcBef>
+              <a:buFont typeface="+mj-lt"/>
+              <a:buAutoNum type="arabicPeriod"/>
+            </a:pPr>
+            <a:r>
+              <a:rPr lang="en-GB" sz="1100" dirty="0"/>
+              <a:t>Using I2C with serial to discover I2C devices</a:t>
+            </a:r>
+          </a:p>
+          <a:p>
+            <a:pPr marL="180000" indent="-478483">
+              <a:spcBef>
+                <a:spcPts val="300"/>
+              </a:spcBef>
+              <a:buFont typeface="+mj-lt"/>
+              <a:buAutoNum type="arabicPeriod"/>
+            </a:pPr>
+            <a:r>
+              <a:rPr lang="en-GB" sz="1100" dirty="0"/>
+              <a:t>Using an I2C GCLD display</a:t>
+            </a:r>
+          </a:p>
+          <a:p>
+            <a:pPr marL="180000" indent="-478483">
+              <a:spcBef>
+                <a:spcPts val="300"/>
+              </a:spcBef>
+              <a:buFont typeface="+mj-lt"/>
+              <a:buAutoNum type="arabicPeriod"/>
+            </a:pPr>
+            <a:r>
+              <a:rPr lang="en-GB" sz="1100" dirty="0"/>
+              <a:t>Using a SPI GCLD display</a:t>
+            </a:r>
+          </a:p>
+          <a:p>
+            <a:pPr marL="180000" indent="-478483">
+              <a:spcBef>
+                <a:spcPts val="300"/>
+              </a:spcBef>
+              <a:buFont typeface="+mj-lt"/>
+              <a:buAutoNum type="arabicPeriod"/>
+            </a:pPr>
+            <a:r>
+              <a:rPr lang="en-GB" sz="1100" dirty="0"/>
+              <a:t>Using PWM, </a:t>
+            </a:r>
+            <a:r>
+              <a:rPr lang="en-GB" sz="1100" dirty="0" smtClean="0"/>
+              <a:t>many  </a:t>
+            </a:r>
+            <a:r>
+              <a:rPr lang="en-GB" sz="1100" dirty="0"/>
+              <a:t>ways,  to dim the LEDS</a:t>
+            </a:r>
+          </a:p>
+          <a:p>
+            <a:pPr marL="180000" indent="-478483">
+              <a:spcBef>
+                <a:spcPts val="300"/>
+              </a:spcBef>
+              <a:buFont typeface="+mj-lt"/>
+              <a:buAutoNum type="arabicPeriod"/>
+            </a:pPr>
+            <a:r>
+              <a:rPr lang="en-GB" sz="1100" dirty="0"/>
+              <a:t>Using an external interrupt to control an LED</a:t>
+            </a:r>
+          </a:p>
+          <a:p>
+            <a:pPr marL="180000" indent="-478483">
+              <a:spcBef>
+                <a:spcPts val="300"/>
+              </a:spcBef>
+              <a:buFont typeface="+mj-lt"/>
+              <a:buAutoNum type="arabicPeriod"/>
+            </a:pPr>
+            <a:r>
+              <a:rPr lang="en-GB" sz="1100" dirty="0"/>
+              <a:t>Using storage within the chip – </a:t>
+            </a:r>
+            <a:r>
+              <a:rPr lang="en-GB" sz="1100" dirty="0" err="1"/>
+              <a:t>Progmem</a:t>
+            </a:r>
+            <a:r>
+              <a:rPr lang="en-GB" sz="1100" dirty="0"/>
+              <a:t>, SAF memory, EEPROM and DATA blocks</a:t>
+            </a:r>
+          </a:p>
+          <a:p>
+            <a:pPr marL="180000" indent="-478483">
+              <a:spcBef>
+                <a:spcPts val="300"/>
+              </a:spcBef>
+              <a:buFont typeface="+mj-lt"/>
+              <a:buAutoNum type="arabicPeriod"/>
+            </a:pPr>
+            <a:r>
+              <a:rPr lang="en-GB" sz="1100" dirty="0"/>
+              <a:t>Using CLC</a:t>
+            </a:r>
+          </a:p>
+          <a:p>
+            <a:pPr marL="180000" indent="-478483">
+              <a:spcBef>
+                <a:spcPts val="300"/>
+              </a:spcBef>
+              <a:buFont typeface="+mj-lt"/>
+              <a:buAutoNum type="arabicPeriod"/>
+            </a:pPr>
+            <a:r>
+              <a:rPr lang="en-GB" sz="1100" dirty="0"/>
+              <a:t>The GCBASIC tool chain</a:t>
+            </a:r>
+          </a:p>
+          <a:p>
+            <a:pPr marL="180000" indent="-478483">
+              <a:spcBef>
+                <a:spcPts val="300"/>
+              </a:spcBef>
+              <a:buFont typeface="+mj-lt"/>
+              <a:buAutoNum type="arabicPeriod"/>
+            </a:pPr>
+            <a:r>
+              <a:rPr lang="en-GB" sz="1100" dirty="0"/>
+              <a:t>Assembly , alternatives assemblers and MPLAB-X</a:t>
+            </a:r>
+          </a:p>
+          <a:p>
+            <a:pPr marL="180000" indent="-478483">
+              <a:spcBef>
+                <a:spcPts val="300"/>
+              </a:spcBef>
+              <a:buFont typeface="+mj-lt"/>
+              <a:buAutoNum type="arabicPeriod"/>
+            </a:pPr>
+            <a:r>
+              <a:rPr lang="en-GB" sz="1100" dirty="0"/>
+              <a:t>Summary</a:t>
+            </a:r>
+          </a:p>
+          <a:p>
+            <a:pPr marL="180000" indent="-478483">
+              <a:spcBef>
+                <a:spcPts val="300"/>
+              </a:spcBef>
+              <a:buFont typeface="+mj-lt"/>
+              <a:buAutoNum type="arabicPeriod"/>
+            </a:pPr>
+            <a:endParaRPr lang="en-GB" sz="400" dirty="0" smtClean="0">
+              <a:solidFill>
+                <a:schemeClr val="bg1">
+                  <a:lumMod val="75000"/>
+                </a:schemeClr>
+              </a:solidFill>
+            </a:endParaRPr>
+          </a:p>
+          <a:p>
+            <a:pPr marL="180000" indent="-478483">
+              <a:spcBef>
+                <a:spcPts val="300"/>
+              </a:spcBef>
+              <a:buNone/>
+            </a:pPr>
+            <a:endParaRPr lang="en-GB" sz="700" dirty="0" smtClean="0"/>
+          </a:p>
+          <a:p>
+            <a:pPr marL="180000" indent="-478483">
+              <a:spcBef>
+                <a:spcPts val="300"/>
+              </a:spcBef>
+              <a:buFont typeface="+mj-lt"/>
+              <a:buAutoNum type="arabicPeriod"/>
+            </a:pPr>
+            <a:endParaRPr lang="en-GB" sz="700" dirty="0" smtClean="0"/>
+          </a:p>
+          <a:p>
+            <a:pPr marL="180000" indent="-478483">
+              <a:spcBef>
+                <a:spcPts val="300"/>
+              </a:spcBef>
+              <a:buFont typeface="+mj-lt"/>
+              <a:buAutoNum type="arabicPeriod"/>
+            </a:pPr>
+            <a:endParaRPr lang="en-GB" sz="500" dirty="0" smtClean="0"/>
+          </a:p>
+          <a:p>
+            <a:pPr marL="180000" indent="-478483">
+              <a:spcBef>
+                <a:spcPts val="300"/>
+              </a:spcBef>
+              <a:buFont typeface="+mj-lt"/>
+              <a:buAutoNum type="arabicPeriod"/>
+            </a:pPr>
+            <a:endParaRPr lang="en-GB" sz="500" dirty="0" smtClean="0"/>
+          </a:p>
+          <a:p>
+            <a:pPr marL="180000" indent="-478483">
+              <a:spcBef>
+                <a:spcPts val="300"/>
+              </a:spcBef>
+              <a:buFont typeface="+mj-lt"/>
+              <a:buAutoNum type="arabicPeriod"/>
+            </a:pPr>
+            <a:endParaRPr lang="en-GB" sz="500" dirty="0" smtClean="0"/>
+          </a:p>
+          <a:p>
+            <a:pPr marL="180000" indent="-478483">
+              <a:spcBef>
+                <a:spcPts val="300"/>
+              </a:spcBef>
+              <a:buFont typeface="+mj-lt"/>
+              <a:buAutoNum type="arabicPeriod"/>
+            </a:pPr>
+            <a:endParaRPr lang="en-GB" sz="500" dirty="0"/>
+          </a:p>
+        </p:txBody>
+      </p:sp>
+    </p:spTree>
+    <p:extLst>
+      <p:ext uri="{BB962C8B-B14F-4D97-AF65-F5344CB8AC3E}">
+        <p14:creationId xmlns:p14="http://schemas.microsoft.com/office/powerpoint/2010/main" val="2888874992"/>
+      </p:ext>
+    </p:extLst>
+  </p:cSld>
+  <p:clrMapOvr>
+    <a:masterClrMapping/>
+  </p:clrMapOvr>
+  <mc:AlternateContent xmlns:mc="http://schemas.openxmlformats.org/markup-compatibility/2006" xmlns:p14="http://schemas.microsoft.com/office/powerpoint/2010/main">
+    <mc:Choice Requires="p14">
+      <p:transition spd="slow" p14:dur="2000"/>
+    </mc:Choice>
+    <mc:Fallback xmlns="">
+      <p:transition spd="slow"/>
+    </mc:Fallback>
+  </mc:AlternateContent>
+  <p:timing>
+    <p:tnLst>
+      <p:par>
+        <p:cTn id="1" dur="indefinite" restart="never" nodeType="tmRoot"/>
+      </p:par>
+    </p:tnLst>
+  </p:timing>
+</p:sld>
+</file>
+
+<file path=ppt/slides/slide14.xml><?xml version="1.0" encoding="utf-8"?>
+<p:sld xmlns:a="http://schemas.openxmlformats.org/drawingml/2006/main" xmlns:r="http://schemas.openxmlformats.org/officeDocument/2006/relationships" xmlns:p="http://schemas.openxmlformats.org/presentationml/2006/main">
+  <p:cSld>
+    <p:spTree>
+      <p:nvGrpSpPr>
+        <p:cNvPr id="1" name=""/>
+        <p:cNvGrpSpPr/>
+        <p:nvPr/>
+      </p:nvGrpSpPr>
+      <p:grpSpPr>
+        <a:xfrm>
+          <a:off x="0" y="0"/>
+          <a:ext cx="0" cy="0"/>
+          <a:chOff x="0" y="0"/>
+          <a:chExt cx="0" cy="0"/>
+        </a:xfrm>
+      </p:grpSpPr>
+      <p:sp>
+        <p:nvSpPr>
+          <p:cNvPr id="2" name="Title 1"/>
+          <p:cNvSpPr>
+            <a:spLocks noGrp="1"/>
+          </p:cNvSpPr>
+          <p:nvPr>
             <p:ph type="ctrTitle"/>
           </p:nvPr>
         </p:nvSpPr>
@@ -8796,7 +9351,7 @@
           <a:p>
             <a:r>
               <a:rPr lang="en-GB" dirty="0" smtClean="0"/>
-              <a:t>GCBASIC  for the PIC18FxxQ24 chip Family</a:t>
+              <a:t>GCBASIC  for the PIC16F175xx chip Family</a:t>
             </a:r>
             <a:endParaRPr lang="en-GB" dirty="0"/>
           </a:p>
@@ -8809,7 +9364,11 @@
           <a:p>
             <a:r>
               <a:rPr lang="en-GB" sz="1700" dirty="0" smtClean="0"/>
-              <a:t>November 2024</a:t>
+              <a:t>November </a:t>
+            </a:r>
+            <a:r>
+              <a:rPr lang="en-GB" sz="1700" dirty="0" smtClean="0"/>
+              <a:t>2025</a:t>
             </a:r>
             <a:endParaRPr lang="en-GB" sz="1700" dirty="0"/>
           </a:p>
@@ -8873,7 +9432,7 @@
       </p:sp>
       <p:pic>
         <p:nvPicPr>
-          <p:cNvPr id="7" name="Picture 2" descr="PIC18F26Q24"/>
+          <p:cNvPr id="8" name="Picture 4" descr="PIC16F17556 | Microchip Technology"/>
           <p:cNvPicPr>
             <a:picLocks noChangeAspect="1" noChangeArrowheads="1"/>
           </p:cNvPicPr>
@@ -8894,8 +9453,49 @@
         </p:blipFill>
         <p:spPr bwMode="auto">
           <a:xfrm>
-            <a:off x="1907705" y="4116163"/>
-            <a:ext cx="1280738" cy="922132"/>
+            <a:off x="6579276" y="3890706"/>
+            <a:ext cx="2415427" cy="1178257"/>
+          </a:xfrm>
+          <a:prstGeom prst="rect">
+            <a:avLst/>
+          </a:prstGeom>
+          <a:noFill/>
+          <a:extLst>
+            <a:ext uri="{909E8E84-426E-40DD-AFC4-6F175D3DCCD1}">
+              <a14:hiddenFill xmlns:a14="http://schemas.microsoft.com/office/drawing/2010/main">
+                <a:solidFill>
+                  <a:srgbClr val="FFFFFF"/>
+                </a:solidFill>
+              </a14:hiddenFill>
+            </a:ext>
+          </a:extLst>
+        </p:spPr>
+      </p:pic>
+      <p:pic>
+        <p:nvPicPr>
+          <p:cNvPr id="9" name="Picture 6" descr="PIC16F19175 | Microchip Technology"/>
+          <p:cNvPicPr>
+            <a:picLocks noChangeAspect="1" noChangeArrowheads="1"/>
+          </p:cNvPicPr>
+          <p:nvPr/>
+        </p:nvPicPr>
+        <p:blipFill>
+          <a:blip r:embed="rId4" cstate="print">
+            <a:extLst>
+              <a:ext uri="{28A0092B-C50C-407E-A947-70E740481C1C}">
+                <a14:useLocalDpi xmlns:a14="http://schemas.microsoft.com/office/drawing/2010/main" val="0"/>
+              </a:ext>
+            </a:extLst>
+          </a:blip>
+          <a:srcRect/>
+          <a:stretch>
+            <a:fillRect/>
+          </a:stretch>
+        </p:blipFill>
+        <p:spPr bwMode="auto">
+          <a:xfrm>
+            <a:off x="2987824" y="3867894"/>
+            <a:ext cx="1384038" cy="1192111"/>
           </a:xfrm>
           <a:prstGeom prst="rect">
             <a:avLst/>
@@ -8940,6 +9540,43 @@
 </p:sld>
 </file>
 
+<file path=ppt/slides/slide15.xml><?xml version="1.0" encoding="utf-8"?>
+<p:sld xmlns:a="http://schemas.openxmlformats.org/drawingml/2006/main" xmlns:r="http://schemas.openxmlformats.org/officeDocument/2006/relationships" xmlns:p="http://schemas.openxmlformats.org/presentationml/2006/main">
+  <p:cSld>
+    <p:spTree>
+      <p:nvGrpSpPr>
+        <p:cNvPr id="1" name=""/>
+        <p:cNvGrpSpPr/>
+        <p:nvPr/>
+      </p:nvGrpSpPr>
+      <p:grpSpPr>
+        <a:xfrm>
+          <a:off x="0" y="0"/>
+          <a:ext cx="0" cy="0"/>
+          <a:chOff x="0" y="0"/>
+          <a:chExt cx="0" cy="0"/>
+        </a:xfrm>
+      </p:grpSpPr>
+    </p:spTree>
+    <p:extLst>
+      <p:ext uri="{BB962C8B-B14F-4D97-AF65-F5344CB8AC3E}">
+        <p14:creationId xmlns:p14="http://schemas.microsoft.com/office/powerpoint/2010/main" val="1766810220"/>
+      </p:ext>
+    </p:extLst>
+  </p:cSld>
+  <p:clrMapOvr>
+    <a:masterClrMapping/>
+  </p:clrMapOvr>
+  <p:timing>
+    <p:tnLst>
+      <p:par>
+        <p:cTn id="1" dur="indefinite" restart="never" nodeType="tmRoot"/>
+      </p:par>
+    </p:tnLst>
+  </p:timing>
+</p:sld>
+</file>
+
 <file path=ppt/slides/slide2.xml><?xml version="1.0" encoding="utf-8"?>
 <p:sld xmlns:a="http://schemas.openxmlformats.org/drawingml/2006/main" xmlns:r="http://schemas.openxmlformats.org/officeDocument/2006/relationships" xmlns:p="http://schemas.openxmlformats.org/presentationml/2006/main">
   <p:cSld>
@@ -8993,7 +9630,7 @@
         <p:spPr>
           <a:xfrm>
             <a:off x="179513" y="2914650"/>
-            <a:ext cx="6840759" cy="1925352"/>
+            <a:ext cx="6552727" cy="1925352"/>
           </a:xfrm>
         </p:spPr>
         <p:txBody>
@@ -9003,8 +9640,12 @@
           <a:lstStyle/>
           <a:p>
             <a:r>
+              <a:rPr lang="en-GB" dirty="0" smtClean="0"/>
+              <a:t>PIC16F175xx </a:t>
+            </a:r>
+            <a:r>
               <a:rPr lang="en-GB" dirty="0"/>
-              <a:t>PIC18FxxQ24 chip Family</a:t>
+              <a:t>chip Family</a:t>
             </a:r>
           </a:p>
           <a:p>
@@ -9022,7 +9663,7 @@
           <a:p>
             <a:r>
               <a:rPr lang="en-GB" sz="1700" dirty="0" smtClean="0"/>
-              <a:t>November 2024</a:t>
+              <a:t>November 2025</a:t>
             </a:r>
             <a:endParaRPr lang="en-GB" sz="1700" dirty="0"/>
           </a:p>
@@ -9084,47 +9725,6 @@
           </a:p>
         </p:txBody>
       </p:sp>
-      <p:pic>
-        <p:nvPicPr>
-          <p:cNvPr id="7" name="Picture 2" descr="PIC18F26Q24"/>
-          <p:cNvPicPr>
-            <a:picLocks noChangeAspect="1" noChangeArrowheads="1"/>
-          </p:cNvPicPr>
-          <p:nvPr/>
-        </p:nvPicPr>
-        <p:blipFill>
-          <a:blip r:embed="rId3" cstate="print">
-            <a:extLst>
-              <a:ext uri="{28A0092B-C50C-407E-A947-70E740481C1C}">
-                <a14:useLocalDpi xmlns:a14="http://schemas.microsoft.com/office/drawing/2010/main" val="0"/>
-              </a:ext>
-            </a:extLst>
-          </a:blip>
-          <a:srcRect/>
-          <a:stretch>
-            <a:fillRect/>
-          </a:stretch>
-        </p:blipFill>
-        <p:spPr bwMode="auto">
-          <a:xfrm>
-            <a:off x="1907705" y="4116163"/>
-            <a:ext cx="1280738" cy="922132"/>
-          </a:xfrm>
-          <a:prstGeom prst="rect">
-            <a:avLst/>
-          </a:prstGeom>
-          <a:noFill/>
-          <a:extLst>
-            <a:ext uri="{909E8E84-426E-40DD-AFC4-6F175D3DCCD1}">
-              <a14:hiddenFill xmlns:a14="http://schemas.microsoft.com/office/drawing/2010/main">
-                <a:solidFill>
-                  <a:srgbClr val="FFFFFF"/>
-                </a:solidFill>
-              </a14:hiddenFill>
-            </a:ext>
-          </a:extLst>
-        </p:spPr>
-      </p:pic>
     </p:spTree>
   </p:cSld>
   <p:clrMapOvr>
@@ -9323,7 +9923,7 @@
       </p:sp>
       <p:pic>
         <p:nvPicPr>
-          <p:cNvPr id="8" name="Picture 2" descr="PIC18F26Q24"/>
+          <p:cNvPr id="9" name="Picture 4" descr="PIC16F17556 | Microchip Technology"/>
           <p:cNvPicPr>
             <a:picLocks noChangeAspect="1" noChangeArrowheads="1"/>
           </p:cNvPicPr>
@@ -9344,8 +9944,49 @@
         </p:blipFill>
         <p:spPr bwMode="auto">
           <a:xfrm>
-            <a:off x="1907705" y="4116163"/>
-            <a:ext cx="1280738" cy="922132"/>
+            <a:off x="5913225" y="3867894"/>
+            <a:ext cx="2415427" cy="1178257"/>
+          </a:xfrm>
+          <a:prstGeom prst="rect">
+            <a:avLst/>
+          </a:prstGeom>
+          <a:noFill/>
+          <a:extLst>
+            <a:ext uri="{909E8E84-426E-40DD-AFC4-6F175D3DCCD1}">
+              <a14:hiddenFill xmlns:a14="http://schemas.microsoft.com/office/drawing/2010/main">
+                <a:solidFill>
+                  <a:srgbClr val="FFFFFF"/>
+                </a:solidFill>
+              </a14:hiddenFill>
+            </a:ext>
+          </a:extLst>
+        </p:spPr>
+      </p:pic>
+      <p:pic>
+        <p:nvPicPr>
+          <p:cNvPr id="10" name="Picture 6" descr="PIC16F19175 | Microchip Technology"/>
+          <p:cNvPicPr>
+            <a:picLocks noChangeAspect="1" noChangeArrowheads="1"/>
+          </p:cNvPicPr>
+          <p:nvPr/>
+        </p:nvPicPr>
+        <p:blipFill>
+          <a:blip r:embed="rId4" cstate="print">
+            <a:extLst>
+              <a:ext uri="{28A0092B-C50C-407E-A947-70E740481C1C}">
+                <a14:useLocalDpi xmlns:a14="http://schemas.microsoft.com/office/drawing/2010/main" val="0"/>
+              </a:ext>
+            </a:extLst>
+          </a:blip>
+          <a:srcRect/>
+          <a:stretch>
+            <a:fillRect/>
+          </a:stretch>
+        </p:blipFill>
+        <p:spPr bwMode="auto">
+          <a:xfrm>
+            <a:off x="2321773" y="3845082"/>
+            <a:ext cx="1384038" cy="1192111"/>
           </a:xfrm>
           <a:prstGeom prst="rect">
             <a:avLst/>
@@ -9391,7 +10032,7 @@
 </file>
 
 <file path=ppt/slides/slide4.xml><?xml version="1.0" encoding="utf-8"?>
-<p:sld xmlns:a="http://schemas.openxmlformats.org/drawingml/2006/main" xmlns:r="http://schemas.openxmlformats.org/officeDocument/2006/relationships" xmlns:p="http://schemas.openxmlformats.org/presentationml/2006/main" show="0">
+<p:sld xmlns:a="http://schemas.openxmlformats.org/drawingml/2006/main" xmlns:r="http://schemas.openxmlformats.org/officeDocument/2006/relationships" xmlns:p="http://schemas.openxmlformats.org/presentationml/2006/main">
   <p:cSld>
     <p:spTree>
       <p:nvGrpSpPr>
@@ -9425,7 +10066,7 @@
             <a:pPr algn="l"/>
             <a:r>
               <a:rPr lang="en-GB" dirty="0" smtClean="0"/>
-              <a:t>PIC18FxxQ24</a:t>
+              <a:t>PIC16F175xx</a:t>
             </a:r>
             <a:endParaRPr lang="en-GB" dirty="0"/>
           </a:p>
@@ -9444,79 +10085,120 @@
         <p:spPr/>
         <p:txBody>
           <a:bodyPr>
-            <a:normAutofit fontScale="92500" lnSpcReduction="10000"/>
+            <a:normAutofit fontScale="92500"/>
           </a:bodyPr>
           <a:lstStyle/>
           <a:p>
             <a:r>
               <a:rPr lang="en-GB" dirty="0" smtClean="0"/>
-              <a:t>PIC18-Q24 is a high performance PIC18 </a:t>
+              <a:t>PIC16165xx  is a high performance PIC16</a:t>
             </a:r>
           </a:p>
           <a:p>
             <a:pPr lvl="1"/>
             <a:r>
+              <a:rPr lang="en-GB" b="1" dirty="0"/>
+              <a:t>Digital and </a:t>
+            </a:r>
+            <a:r>
+              <a:rPr lang="en-GB" b="1" dirty="0" err="1"/>
+              <a:t>analog</a:t>
+            </a:r>
+            <a:r>
+              <a:rPr lang="en-GB" b="1" dirty="0"/>
+              <a:t> peripherals</a:t>
+            </a:r>
+            <a:r>
+              <a:rPr lang="en-GB" dirty="0"/>
+              <a:t> for flexible embedded control</a:t>
+            </a:r>
+          </a:p>
+          <a:p>
+            <a:pPr lvl="1"/>
+            <a:r>
+              <a:rPr lang="en-GB" b="1" dirty="0"/>
+              <a:t>10-bit ADC</a:t>
+            </a:r>
+            <a:r>
+              <a:rPr lang="en-GB" dirty="0"/>
+              <a:t> for accurate </a:t>
+            </a:r>
+            <a:r>
+              <a:rPr lang="en-GB" dirty="0" err="1"/>
+              <a:t>analog</a:t>
+            </a:r>
+            <a:r>
+              <a:rPr lang="en-GB" dirty="0"/>
+              <a:t> signal conversion</a:t>
+            </a:r>
+          </a:p>
+          <a:p>
+            <a:pPr lvl="1"/>
+            <a:r>
+              <a:rPr lang="en-GB" b="1" dirty="0"/>
+              <a:t>Multiple communication interfaces</a:t>
+            </a:r>
+            <a:r>
+              <a:rPr lang="en-GB" dirty="0"/>
+              <a:t> including UART (serial), I²C, and SPI</a:t>
+            </a:r>
+          </a:p>
+          <a:p>
+            <a:pPr lvl="1"/>
+            <a:r>
+              <a:rPr lang="en-GB" b="1" dirty="0"/>
+              <a:t>PWM modules</a:t>
+            </a:r>
+            <a:r>
+              <a:rPr lang="en-GB" dirty="0"/>
+              <a:t> with CCP and 16-bit resolution for precise timing and motor control</a:t>
+            </a:r>
+          </a:p>
+          <a:p>
+            <a:pPr lvl="1"/>
+            <a:r>
+              <a:rPr lang="en-GB" b="1" dirty="0"/>
+              <a:t>Configurable Logic Cells (CLCs)</a:t>
+            </a:r>
+            <a:r>
+              <a:rPr lang="en-GB" dirty="0"/>
+              <a:t> for custom hardware-level logic without external components</a:t>
+            </a:r>
+          </a:p>
+          <a:p>
+            <a:pPr lvl="1"/>
+            <a:r>
+              <a:rPr lang="en-GB" b="1" dirty="0"/>
+              <a:t>Integrated op amps</a:t>
+            </a:r>
+            <a:r>
+              <a:rPr lang="en-GB" dirty="0"/>
+              <a:t> for </a:t>
+            </a:r>
+            <a:r>
+              <a:rPr lang="en-GB" dirty="0" err="1"/>
+              <a:t>onboard</a:t>
+            </a:r>
+            <a:r>
+              <a:rPr lang="en-GB" dirty="0"/>
+              <a:t> </a:t>
+            </a:r>
+            <a:r>
+              <a:rPr lang="en-GB" dirty="0" err="1"/>
+              <a:t>analog</a:t>
+            </a:r>
+            <a:r>
+              <a:rPr lang="en-GB" dirty="0"/>
+              <a:t> signal conditioning and amplification</a:t>
+            </a:r>
+          </a:p>
+          <a:p>
+            <a:endParaRPr lang="en-GB" dirty="0" smtClean="0"/>
+          </a:p>
+          <a:p>
+            <a:r>
               <a:rPr lang="en-GB" dirty="0" smtClean="0"/>
-              <a:t>Digital and </a:t>
-            </a:r>
-            <a:r>
-              <a:rPr lang="en-GB" dirty="0" err="1" smtClean="0"/>
-              <a:t>Analog</a:t>
-            </a:r>
-            <a:r>
-              <a:rPr lang="en-GB" dirty="0" smtClean="0"/>
-              <a:t> peripherals </a:t>
-            </a:r>
-          </a:p>
-          <a:p>
-            <a:pPr lvl="1"/>
-            <a:r>
-              <a:rPr lang="en-GB" dirty="0" smtClean="0"/>
-              <a:t>10-bit ADC</a:t>
-            </a:r>
-          </a:p>
-          <a:p>
-            <a:pPr lvl="1"/>
-            <a:r>
-              <a:rPr lang="en-GB" dirty="0" smtClean="0"/>
-              <a:t>Multiple communication interfaces</a:t>
-            </a:r>
-          </a:p>
-          <a:p>
-            <a:pPr lvl="2"/>
-            <a:r>
-              <a:rPr lang="en-GB" dirty="0" smtClean="0"/>
-              <a:t>Serial, I2C and  SPI </a:t>
-            </a:r>
-          </a:p>
-          <a:p>
-            <a:pPr lvl="2"/>
-            <a:r>
-              <a:rPr lang="en-GB" dirty="0" smtClean="0"/>
-              <a:t>PWM – CCP/PWM and 16Bit</a:t>
-            </a:r>
-          </a:p>
-          <a:p>
-            <a:pPr lvl="1"/>
-            <a:r>
-              <a:rPr lang="en-GB" dirty="0" smtClean="0"/>
-              <a:t>Configurable Logic Cells</a:t>
-            </a:r>
-          </a:p>
-          <a:p>
-            <a:pPr lvl="1"/>
-            <a:r>
-              <a:rPr lang="en-GB" dirty="0" smtClean="0"/>
-              <a:t>Multi voltage domains</a:t>
-            </a:r>
-          </a:p>
-          <a:p>
-            <a:endParaRPr lang="en-GB" dirty="0" smtClean="0"/>
-          </a:p>
-          <a:p>
-            <a:r>
-              <a:rPr lang="en-GB" dirty="0" smtClean="0"/>
-              <a:t>The PIC18xxQ24 offers 28, 40 and 48-pin products in small footprint packages to support customers in a wide variety of applications. </a:t>
+              <a:t>The PIC16175xx offers 14, 20, 28, 40 and 44-pin products in small footprint packages to support customers in a wide variety of applications. </a:t>
             </a:r>
           </a:p>
           <a:p>
@@ -9805,7 +10487,15 @@
             </a:pPr>
             <a:r>
               <a:rPr lang="en-GB" sz="1100" dirty="0"/>
-              <a:t>Using PWM, 7  ways,  to dim the LEDS</a:t>
+              <a:t>Using PWM, </a:t>
+            </a:r>
+            <a:r>
+              <a:rPr lang="en-GB" sz="1100" dirty="0" smtClean="0"/>
+              <a:t>many  </a:t>
+            </a:r>
+            <a:r>
+              <a:rPr lang="en-GB" sz="1100" dirty="0"/>
+              <a:t>ways,  to dim the LEDS</a:t>
             </a:r>
           </a:p>
           <a:p>
@@ -10121,7 +10811,7 @@
           <a:p>
             <a:r>
               <a:rPr lang="en-GB" dirty="0" smtClean="0"/>
-              <a:t>GCBASIC now supports the 18FxxQ24 chip family</a:t>
+              <a:t>GCBASIC now supports the 16F175xx chip family</a:t>
             </a:r>
             <a:endParaRPr lang="en-GB" dirty="0"/>
           </a:p>
@@ -10220,8 +10910,24 @@
             </a:pPr>
             <a:r>
               <a:rPr lang="en-GB" dirty="0" smtClean="0"/>
-              <a:t>Installed the GCBASIC software</a:t>
-            </a:r>
+              <a:t>Installed the GCBASIC </a:t>
+            </a:r>
+            <a:r>
+              <a:rPr lang="en-GB" dirty="0" smtClean="0"/>
+              <a:t>software</a:t>
+            </a:r>
+          </a:p>
+          <a:p>
+            <a:pPr marL="300038" lvl="1" indent="0">
+              <a:buNone/>
+            </a:pPr>
+            <a:r>
+              <a:rPr lang="en-GB" dirty="0" smtClean="0">
+                <a:hlinkClick r:id="rId3"/>
+              </a:rPr>
+              <a:t>https://www.youtube.com/watch?v=5yo5poUmnoA</a:t>
+            </a:r>
+            <a:endParaRPr lang="en-GB" dirty="0" smtClean="0"/>
           </a:p>
           <a:p>
             <a:pPr marL="478483" indent="-478483">
@@ -10240,7 +10946,7 @@
             </a:pPr>
             <a:r>
               <a:rPr lang="en-GB" dirty="0" smtClean="0"/>
-              <a:t>Test that you have the 18FxxQ24 attached</a:t>
+              <a:t>Test that you have the 16F175xx attached</a:t>
             </a:r>
           </a:p>
           <a:p>
@@ -10501,16 +11207,21 @@
                 <a:latin typeface="Courier New" panose="02070309020205020404" pitchFamily="49" charset="0"/>
                 <a:cs typeface="Courier New" panose="02070309020205020404" pitchFamily="49" charset="0"/>
               </a:rPr>
-              <a:t>    Bit#:  -X---6---5---4---3---2---1---0---</a:t>
-            </a:r>
-          </a:p>
-          <a:p>
+              <a:t>    Bit#:  </a:t>
+            </a:r>
+            <a:r>
+              <a:rPr lang="en-GB" sz="1200" b="1" dirty="0" smtClean="0">
+                <a:latin typeface="Courier New" panose="02070309020205020404" pitchFamily="49" charset="0"/>
+                <a:cs typeface="Courier New" panose="02070309020205020404" pitchFamily="49" charset="0"/>
+              </a:rPr>
+              <a:t>-7-</a:t>
+            </a:r>
             <a:r>
               <a:rPr lang="en-GB" sz="1200" b="1" dirty="0">
                 <a:latin typeface="Courier New" panose="02070309020205020404" pitchFamily="49" charset="0"/>
                 <a:cs typeface="Courier New" panose="02070309020205020404" pitchFamily="49" charset="0"/>
               </a:rPr>
-              <a:t>    IO:    -^-------------------------------</a:t>
+              <a:t>--6---5---4---3---2---1---0---</a:t>
             </a:r>
           </a:p>
           <a:p>
@@ -10519,12 +11230,35 @@
                 <a:latin typeface="Courier New" panose="02070309020205020404" pitchFamily="49" charset="0"/>
                 <a:cs typeface="Courier New" panose="02070309020205020404" pitchFamily="49" charset="0"/>
               </a:rPr>
-              <a:t>    -----VDDIO2----------------------------- </a:t>
-            </a:r>
-            <a:endParaRPr lang="en-GB" sz="1200" b="1" dirty="0" smtClean="0">
+              <a:t>    IO:    </a:t>
+            </a:r>
+            <a:r>
+              <a:rPr lang="en-GB" sz="1200" b="1" dirty="0" smtClean="0">
+                <a:latin typeface="Courier New" panose="02070309020205020404" pitchFamily="49" charset="0"/>
+                <a:cs typeface="Courier New" panose="02070309020205020404" pitchFamily="49" charset="0"/>
+              </a:rPr>
+              <a:t>---------------------------------</a:t>
+            </a:r>
+            <a:endParaRPr lang="en-GB" sz="1200" b="1" dirty="0">
               <a:latin typeface="Courier New" panose="02070309020205020404" pitchFamily="49" charset="0"/>
               <a:cs typeface="Courier New" panose="02070309020205020404" pitchFamily="49" charset="0"/>
             </a:endParaRPr>
+          </a:p>
+          <a:p>
+            <a:r>
+              <a:rPr lang="en-GB" sz="1200" b="1" dirty="0">
+                <a:latin typeface="Courier New" panose="02070309020205020404" pitchFamily="49" charset="0"/>
+                <a:cs typeface="Courier New" panose="02070309020205020404" pitchFamily="49" charset="0"/>
+              </a:rPr>
+              <a:t>    </a:t>
+            </a:r>
+            <a:r>
+              <a:rPr lang="en-GB" sz="1200" b="1" dirty="0" smtClean="0">
+                <a:latin typeface="Courier New" panose="02070309020205020404" pitchFamily="49" charset="0"/>
+                <a:cs typeface="Courier New" panose="02070309020205020404" pitchFamily="49" charset="0"/>
+              </a:rPr>
+              <a:t>---------------------------------------- </a:t>
+            </a:r>
           </a:p>
           <a:p>
             <a:r>
@@ -10610,127 +11344,342 @@
           <a:chExt cx="0" cy="0"/>
         </a:xfrm>
       </p:grpSpPr>
-      <p:sp>
-        <p:nvSpPr>
-          <p:cNvPr id="2" name="Title 1"/>
-          <p:cNvSpPr>
-            <a:spLocks noGrp="1"/>
-          </p:cNvSpPr>
-          <p:nvPr>
-            <p:ph type="title"/>
-          </p:nvPr>
-        </p:nvSpPr>
-        <p:spPr/>
-        <p:txBody>
-          <a:bodyPr/>
+      <p:pic>
+        <p:nvPicPr>
+          <p:cNvPr id="1026" name="Picture 2"/>
+          <p:cNvPicPr>
+            <a:picLocks noChangeAspect="1" noChangeArrowheads="1"/>
+          </p:cNvPicPr>
+          <p:nvPr/>
+        </p:nvPicPr>
+        <p:blipFill>
+          <a:blip r:embed="rId2">
+            <a:extLst>
+              <a:ext uri="{28A0092B-C50C-407E-A947-70E740481C1C}">
+                <a14:useLocalDpi xmlns:a14="http://schemas.microsoft.com/office/drawing/2010/main" val="0"/>
+              </a:ext>
+            </a:extLst>
+          </a:blip>
+          <a:srcRect/>
+          <a:stretch>
+            <a:fillRect/>
+          </a:stretch>
+        </p:blipFill>
+        <p:spPr bwMode="auto">
+          <a:xfrm>
+            <a:off x="2057400" y="419100"/>
+            <a:ext cx="5029200" cy="4286250"/>
+          </a:xfrm>
+          <a:prstGeom prst="rect">
+            <a:avLst/>
+          </a:prstGeom>
+          <a:noFill/>
+          <a:ln>
+            <a:noFill/>
+          </a:ln>
+          <a:effectLst/>
+          <a:extLst>
+            <a:ext uri="{909E8E84-426E-40DD-AFC4-6F175D3DCCD1}">
+              <a14:hiddenFill xmlns:a14="http://schemas.microsoft.com/office/drawing/2010/main">
+                <a:solidFill>
+                  <a:schemeClr val="accent1"/>
+                </a:solidFill>
+              </a14:hiddenFill>
+            </a:ext>
+            <a:ext uri="{91240B29-F687-4F45-9708-019B960494DF}">
+              <a14:hiddenLine xmlns:a14="http://schemas.microsoft.com/office/drawing/2010/main" w="9525">
+                <a:solidFill>
+                  <a:schemeClr val="tx1"/>
+                </a:solidFill>
+                <a:miter lim="800000"/>
+                <a:headEnd/>
+                <a:tailEnd/>
+              </a14:hiddenLine>
+            </a:ext>
+            <a:ext uri="{AF507438-7753-43E0-B8FC-AC1667EBCBE1}">
+              <a14:hiddenEffects xmlns:a14="http://schemas.microsoft.com/office/drawing/2010/main">
+                <a:effectLst>
+                  <a:outerShdw dist="35921" dir="2700000" algn="ctr" rotWithShape="0">
+                    <a:schemeClr val="bg2"/>
+                  </a:outerShdw>
+                </a:effectLst>
+              </a14:hiddenEffects>
+            </a:ext>
+          </a:extLst>
+        </p:spPr>
+      </p:pic>
+      <p:sp>
+        <p:nvSpPr>
+          <p:cNvPr id="4" name="Rectangle 3"/>
+          <p:cNvSpPr/>
+          <p:nvPr/>
+        </p:nvSpPr>
+        <p:spPr>
+          <a:xfrm>
+            <a:off x="5480050" y="2562225"/>
+            <a:ext cx="964158" cy="174625"/>
+          </a:xfrm>
+          <a:prstGeom prst="rect">
+            <a:avLst/>
+          </a:prstGeom>
+          <a:noFill/>
+          <a:ln>
+            <a:solidFill>
+              <a:srgbClr val="FF0000"/>
+            </a:solidFill>
+          </a:ln>
+        </p:spPr>
+        <p:style>
+          <a:lnRef idx="2">
+            <a:schemeClr val="accent1">
+              <a:shade val="50000"/>
+            </a:schemeClr>
+          </a:lnRef>
+          <a:fillRef idx="1">
+            <a:schemeClr val="accent1"/>
+          </a:fillRef>
+          <a:effectRef idx="0">
+            <a:schemeClr val="accent1"/>
+          </a:effectRef>
+          <a:fontRef idx="minor">
+            <a:schemeClr val="lt1"/>
+          </a:fontRef>
+        </p:style>
+        <p:txBody>
+          <a:bodyPr rtlCol="0" anchor="ctr"/>
           <a:lstStyle/>
           <a:p>
-            <a:pPr algn="l"/>
-            <a:r>
-              <a:rPr lang="en-GB" dirty="0" smtClean="0"/>
-              <a:t>Workshop</a:t>
-            </a:r>
-            <a:endParaRPr lang="en-GB" dirty="0"/>
-          </a:p>
-        </p:txBody>
-      </p:sp>
-      <p:sp>
-        <p:nvSpPr>
-          <p:cNvPr id="3" name="Content Placeholder 2"/>
-          <p:cNvSpPr>
-            <a:spLocks noGrp="1"/>
-          </p:cNvSpPr>
-          <p:nvPr>
-            <p:ph idx="1"/>
-          </p:nvPr>
-        </p:nvSpPr>
-        <p:spPr/>
-        <p:txBody>
-          <a:bodyPr>
-            <a:normAutofit fontScale="92500"/>
-          </a:bodyPr>
+            <a:pPr algn="ctr"/>
+            <a:endParaRPr lang="en-GB"/>
+          </a:p>
+        </p:txBody>
+      </p:sp>
+      <p:sp>
+        <p:nvSpPr>
+          <p:cNvPr id="5" name="Oval 4"/>
+          <p:cNvSpPr/>
+          <p:nvPr/>
+        </p:nvSpPr>
+        <p:spPr>
+          <a:xfrm>
+            <a:off x="4067944" y="3984352"/>
+            <a:ext cx="216024" cy="216024"/>
+          </a:xfrm>
+          <a:prstGeom prst="ellipse">
+            <a:avLst/>
+          </a:prstGeom>
+          <a:noFill/>
+          <a:ln>
+            <a:solidFill>
+              <a:srgbClr val="FF0000"/>
+            </a:solidFill>
+          </a:ln>
+        </p:spPr>
+        <p:style>
+          <a:lnRef idx="2">
+            <a:schemeClr val="accent1">
+              <a:shade val="50000"/>
+            </a:schemeClr>
+          </a:lnRef>
+          <a:fillRef idx="1">
+            <a:schemeClr val="accent1"/>
+          </a:fillRef>
+          <a:effectRef idx="0">
+            <a:schemeClr val="accent1"/>
+          </a:effectRef>
+          <a:fontRef idx="minor">
+            <a:schemeClr val="lt1"/>
+          </a:fontRef>
+        </p:style>
+        <p:txBody>
+          <a:bodyPr rtlCol="0" anchor="ctr"/>
           <a:lstStyle/>
           <a:p>
-            <a:r>
-              <a:rPr lang="en-GB" sz="1000" dirty="0"/>
-              <a:t>C:\GCSTUDIO\GCBASIC\DEMOS\Vendor_Boards\Great_Cow_Basic_Demo_Board\18FxxQ24_Chiprange_Demonstrations</a:t>
-            </a:r>
-          </a:p>
-          <a:p>
-            <a:endParaRPr lang="en-GB" dirty="0" smtClean="0"/>
-          </a:p>
-          <a:p>
-            <a:r>
-              <a:rPr lang="en-GB" dirty="0" smtClean="0"/>
-              <a:t>Blink the LED</a:t>
-            </a:r>
-          </a:p>
-          <a:p>
-            <a:pPr lvl="1"/>
-            <a:r>
-              <a:rPr lang="en-GB" dirty="0" smtClean="0"/>
-              <a:t>Direct addressing of register</a:t>
-            </a:r>
-          </a:p>
-          <a:p>
-            <a:r>
-              <a:rPr lang="en-GB" dirty="0" smtClean="0"/>
-              <a:t>Blink the LED</a:t>
-            </a:r>
-          </a:p>
-          <a:p>
-            <a:pPr lvl="1"/>
-            <a:r>
-              <a:rPr lang="en-GB" dirty="0" smtClean="0"/>
-              <a:t>Introduce CONSTANTS</a:t>
-            </a:r>
-          </a:p>
-          <a:p>
-            <a:pPr lvl="2"/>
-            <a:r>
-              <a:rPr lang="en-GB" dirty="0" smtClean="0"/>
-              <a:t>#DEFINE</a:t>
-            </a:r>
-          </a:p>
-          <a:p>
-            <a:pPr lvl="1"/>
-            <a:r>
-              <a:rPr lang="en-GB" dirty="0" smtClean="0"/>
-              <a:t>GCBASIC commands</a:t>
-            </a:r>
-          </a:p>
-          <a:p>
-            <a:pPr lvl="2"/>
-            <a:r>
-              <a:rPr lang="en-GB" dirty="0" smtClean="0"/>
-              <a:t>DIR</a:t>
-            </a:r>
-          </a:p>
-          <a:p>
-            <a:pPr lvl="2"/>
-            <a:r>
-              <a:rPr lang="en-GB" dirty="0" smtClean="0"/>
-              <a:t>WAIT</a:t>
-            </a:r>
-          </a:p>
-          <a:p>
-            <a:pPr lvl="2"/>
-            <a:endParaRPr lang="en-GB" dirty="0" smtClean="0"/>
-          </a:p>
-          <a:p>
-            <a:pPr lvl="2"/>
-            <a:endParaRPr lang="en-GB" dirty="0" smtClean="0"/>
-          </a:p>
-          <a:p>
-            <a:pPr lvl="1"/>
-            <a:endParaRPr lang="en-GB" dirty="0" smtClean="0"/>
+            <a:pPr algn="ctr"/>
+            <a:endParaRPr lang="en-GB"/>
+          </a:p>
+        </p:txBody>
+      </p:sp>
+      <p:sp>
+        <p:nvSpPr>
+          <p:cNvPr id="6" name="Freeform 5"/>
+          <p:cNvSpPr/>
+          <p:nvPr/>
+        </p:nvSpPr>
+        <p:spPr>
+          <a:xfrm>
+            <a:off x="5810622" y="2825750"/>
+            <a:ext cx="945778" cy="996950"/>
+          </a:xfrm>
+          <a:custGeom>
+            <a:avLst/>
+            <a:gdLst>
+              <a:gd name="connsiteX0" fmla="*/ 101228 w 945778"/>
+              <a:gd name="connsiteY0" fmla="*/ 0 h 996950"/>
+              <a:gd name="connsiteX1" fmla="*/ 75828 w 945778"/>
+              <a:gd name="connsiteY1" fmla="*/ 571500 h 996950"/>
+              <a:gd name="connsiteX2" fmla="*/ 945778 w 945778"/>
+              <a:gd name="connsiteY2" fmla="*/ 996950 h 996950"/>
+            </a:gdLst>
+            <a:ahLst/>
+            <a:cxnLst>
+              <a:cxn ang="0">
+                <a:pos x="connsiteX0" y="connsiteY0"/>
+              </a:cxn>
+              <a:cxn ang="0">
+                <a:pos x="connsiteX1" y="connsiteY1"/>
+              </a:cxn>
+              <a:cxn ang="0">
+                <a:pos x="connsiteX2" y="connsiteY2"/>
+              </a:cxn>
+            </a:cxnLst>
+            <a:rect l="l" t="t" r="r" b="b"/>
+            <a:pathLst>
+              <a:path w="945778" h="996950">
+                <a:moveTo>
+                  <a:pt x="101228" y="0"/>
+                </a:moveTo>
+                <a:cubicBezTo>
+                  <a:pt x="18149" y="202671"/>
+                  <a:pt x="-64930" y="405342"/>
+                  <a:pt x="75828" y="571500"/>
+                </a:cubicBezTo>
+                <a:cubicBezTo>
+                  <a:pt x="216586" y="737658"/>
+                  <a:pt x="581182" y="867304"/>
+                  <a:pt x="945778" y="996950"/>
+                </a:cubicBezTo>
+              </a:path>
+            </a:pathLst>
+          </a:custGeom>
+          <a:noFill/>
+          <a:ln>
+            <a:solidFill>
+              <a:srgbClr val="FF0000"/>
+            </a:solidFill>
+          </a:ln>
+        </p:spPr>
+        <p:style>
+          <a:lnRef idx="2">
+            <a:schemeClr val="accent1">
+              <a:shade val="50000"/>
+            </a:schemeClr>
+          </a:lnRef>
+          <a:fillRef idx="1">
+            <a:schemeClr val="accent1"/>
+          </a:fillRef>
+          <a:effectRef idx="0">
+            <a:schemeClr val="accent1"/>
+          </a:effectRef>
+          <a:fontRef idx="minor">
+            <a:schemeClr val="lt1"/>
+          </a:fontRef>
+        </p:style>
+        <p:txBody>
+          <a:bodyPr rtlCol="0" anchor="ctr"/>
+          <a:lstStyle/>
+          <a:p>
+            <a:pPr algn="ctr"/>
+            <a:endParaRPr lang="en-GB">
+              <a:solidFill>
+                <a:schemeClr val="lt1"/>
+              </a:solidFill>
+            </a:endParaRPr>
+          </a:p>
+        </p:txBody>
+      </p:sp>
+      <p:sp>
+        <p:nvSpPr>
+          <p:cNvPr id="8" name="Freeform 7"/>
+          <p:cNvSpPr/>
+          <p:nvPr/>
+        </p:nvSpPr>
+        <p:spPr>
+          <a:xfrm>
+            <a:off x="4197350" y="3635066"/>
+            <a:ext cx="2654300" cy="340034"/>
+          </a:xfrm>
+          <a:custGeom>
+            <a:avLst/>
+            <a:gdLst>
+              <a:gd name="connsiteX0" fmla="*/ 2654300 w 2654300"/>
+              <a:gd name="connsiteY0" fmla="*/ 193984 h 340034"/>
+              <a:gd name="connsiteX1" fmla="*/ 558800 w 2654300"/>
+              <a:gd name="connsiteY1" fmla="*/ 3484 h 340034"/>
+              <a:gd name="connsiteX2" fmla="*/ 0 w 2654300"/>
+              <a:gd name="connsiteY2" fmla="*/ 340034 h 340034"/>
+            </a:gdLst>
+            <a:ahLst/>
+            <a:cxnLst>
+              <a:cxn ang="0">
+                <a:pos x="connsiteX0" y="connsiteY0"/>
+              </a:cxn>
+              <a:cxn ang="0">
+                <a:pos x="connsiteX1" y="connsiteY1"/>
+              </a:cxn>
+              <a:cxn ang="0">
+                <a:pos x="connsiteX2" y="connsiteY2"/>
+              </a:cxn>
+            </a:cxnLst>
+            <a:rect l="l" t="t" r="r" b="b"/>
+            <a:pathLst>
+              <a:path w="2654300" h="340034">
+                <a:moveTo>
+                  <a:pt x="2654300" y="193984"/>
+                </a:moveTo>
+                <a:cubicBezTo>
+                  <a:pt x="1827741" y="86563"/>
+                  <a:pt x="1001183" y="-20858"/>
+                  <a:pt x="558800" y="3484"/>
+                </a:cubicBezTo>
+                <a:cubicBezTo>
+                  <a:pt x="116417" y="27826"/>
+                  <a:pt x="0" y="340034"/>
+                  <a:pt x="0" y="340034"/>
+                </a:cubicBezTo>
+              </a:path>
+            </a:pathLst>
+          </a:custGeom>
+          <a:noFill/>
+          <a:ln>
+            <a:solidFill>
+              <a:srgbClr val="FF0000"/>
+            </a:solidFill>
+          </a:ln>
+        </p:spPr>
+        <p:style>
+          <a:lnRef idx="2">
+            <a:schemeClr val="accent1">
+              <a:shade val="50000"/>
+            </a:schemeClr>
+          </a:lnRef>
+          <a:fillRef idx="1">
+            <a:schemeClr val="accent1"/>
+          </a:fillRef>
+          <a:effectRef idx="0">
+            <a:schemeClr val="accent1"/>
+          </a:effectRef>
+          <a:fontRef idx="minor">
+            <a:schemeClr val="lt1"/>
+          </a:fontRef>
+        </p:style>
+        <p:txBody>
+          <a:bodyPr rtlCol="0" anchor="ctr"/>
+          <a:lstStyle/>
+          <a:p>
+            <a:pPr algn="ctr"/>
+            <a:endParaRPr lang="en-GB">
+              <a:solidFill>
+                <a:schemeClr val="lt1"/>
+              </a:solidFill>
+            </a:endParaRPr>
           </a:p>
         </p:txBody>
       </p:sp>
     </p:spTree>
     <p:extLst>
       <p:ext uri="{BB962C8B-B14F-4D97-AF65-F5344CB8AC3E}">
-        <p14:creationId xmlns:p14="http://schemas.microsoft.com/office/powerpoint/2010/main" val="2851363068"/>
+        <p14:creationId xmlns:p14="http://schemas.microsoft.com/office/powerpoint/2010/main" val="435884822"/>
       </p:ext>
     </p:extLst>
   </p:cSld>
